--- a/project/Diagrams.pptx
+++ b/project/Diagrams.pptx
@@ -7,6 +7,7 @@
   <p:sldIdLst>
     <p:sldId id="256" r:id="rId2"/>
     <p:sldId id="258" r:id="rId3"/>
+    <p:sldId id="259" r:id="rId4"/>
   </p:sldIdLst>
   <p:sldSz cx="12192000" cy="6858000"/>
   <p:notesSz cx="6858000" cy="9144000"/>
@@ -105,6 +106,11 @@
       </a:defRPr>
     </a:lvl9pPr>
   </p:defaultTextStyle>
+  <p:extLst>
+    <p:ext uri="{EFAFB233-063F-42B5-8137-9DF3F51BA10A}">
+      <p15:sldGuideLst xmlns:p15="http://schemas.microsoft.com/office/powerpoint/2012/main"/>
+    </p:ext>
+  </p:extLst>
 </p:presentation>
 </file>
 
@@ -257,7 +263,7 @@
           <a:p>
             <a:fld id="{E51E70AA-B246-435D-A5C7-444FBA7F1AA5}" type="datetimeFigureOut">
               <a:rPr lang="en-IN" smtClean="0"/>
-              <a:t>09-02-2019</a:t>
+              <a:t>11-02-2019</a:t>
             </a:fld>
             <a:endParaRPr lang="en-IN"/>
           </a:p>
@@ -457,7 +463,7 @@
           <a:p>
             <a:fld id="{E51E70AA-B246-435D-A5C7-444FBA7F1AA5}" type="datetimeFigureOut">
               <a:rPr lang="en-IN" smtClean="0"/>
-              <a:t>09-02-2019</a:t>
+              <a:t>11-02-2019</a:t>
             </a:fld>
             <a:endParaRPr lang="en-IN"/>
           </a:p>
@@ -667,7 +673,7 @@
           <a:p>
             <a:fld id="{E51E70AA-B246-435D-A5C7-444FBA7F1AA5}" type="datetimeFigureOut">
               <a:rPr lang="en-IN" smtClean="0"/>
-              <a:t>09-02-2019</a:t>
+              <a:t>11-02-2019</a:t>
             </a:fld>
             <a:endParaRPr lang="en-IN"/>
           </a:p>
@@ -867,7 +873,7 @@
           <a:p>
             <a:fld id="{E51E70AA-B246-435D-A5C7-444FBA7F1AA5}" type="datetimeFigureOut">
               <a:rPr lang="en-IN" smtClean="0"/>
-              <a:t>09-02-2019</a:t>
+              <a:t>11-02-2019</a:t>
             </a:fld>
             <a:endParaRPr lang="en-IN"/>
           </a:p>
@@ -1143,7 +1149,7 @@
           <a:p>
             <a:fld id="{E51E70AA-B246-435D-A5C7-444FBA7F1AA5}" type="datetimeFigureOut">
               <a:rPr lang="en-IN" smtClean="0"/>
-              <a:t>09-02-2019</a:t>
+              <a:t>11-02-2019</a:t>
             </a:fld>
             <a:endParaRPr lang="en-IN"/>
           </a:p>
@@ -1411,7 +1417,7 @@
           <a:p>
             <a:fld id="{E51E70AA-B246-435D-A5C7-444FBA7F1AA5}" type="datetimeFigureOut">
               <a:rPr lang="en-IN" smtClean="0"/>
-              <a:t>09-02-2019</a:t>
+              <a:t>11-02-2019</a:t>
             </a:fld>
             <a:endParaRPr lang="en-IN"/>
           </a:p>
@@ -1826,7 +1832,7 @@
           <a:p>
             <a:fld id="{E51E70AA-B246-435D-A5C7-444FBA7F1AA5}" type="datetimeFigureOut">
               <a:rPr lang="en-IN" smtClean="0"/>
-              <a:t>09-02-2019</a:t>
+              <a:t>11-02-2019</a:t>
             </a:fld>
             <a:endParaRPr lang="en-IN"/>
           </a:p>
@@ -1968,7 +1974,7 @@
           <a:p>
             <a:fld id="{E51E70AA-B246-435D-A5C7-444FBA7F1AA5}" type="datetimeFigureOut">
               <a:rPr lang="en-IN" smtClean="0"/>
-              <a:t>09-02-2019</a:t>
+              <a:t>11-02-2019</a:t>
             </a:fld>
             <a:endParaRPr lang="en-IN"/>
           </a:p>
@@ -2081,7 +2087,7 @@
           <a:p>
             <a:fld id="{E51E70AA-B246-435D-A5C7-444FBA7F1AA5}" type="datetimeFigureOut">
               <a:rPr lang="en-IN" smtClean="0"/>
-              <a:t>09-02-2019</a:t>
+              <a:t>11-02-2019</a:t>
             </a:fld>
             <a:endParaRPr lang="en-IN"/>
           </a:p>
@@ -2394,7 +2400,7 @@
           <a:p>
             <a:fld id="{E51E70AA-B246-435D-A5C7-444FBA7F1AA5}" type="datetimeFigureOut">
               <a:rPr lang="en-IN" smtClean="0"/>
-              <a:t>09-02-2019</a:t>
+              <a:t>11-02-2019</a:t>
             </a:fld>
             <a:endParaRPr lang="en-IN"/>
           </a:p>
@@ -2683,7 +2689,7 @@
           <a:p>
             <a:fld id="{E51E70AA-B246-435D-A5C7-444FBA7F1AA5}" type="datetimeFigureOut">
               <a:rPr lang="en-IN" smtClean="0"/>
-              <a:t>09-02-2019</a:t>
+              <a:t>11-02-2019</a:t>
             </a:fld>
             <a:endParaRPr lang="en-IN"/>
           </a:p>
@@ -2926,7 +2932,7 @@
           <a:p>
             <a:fld id="{E51E70AA-B246-435D-A5C7-444FBA7F1AA5}" type="datetimeFigureOut">
               <a:rPr lang="en-IN" smtClean="0"/>
-              <a:t>09-02-2019</a:t>
+              <a:t>11-02-2019</a:t>
             </a:fld>
             <a:endParaRPr lang="en-IN"/>
           </a:p>
@@ -5105,51 +5111,3628 @@
       </p:grpSpPr>
       <p:sp>
         <p:nvSpPr>
-          <p:cNvPr id="2" name="Title 1">
-            <a:extLst>
-              <a:ext uri="{FF2B5EF4-FFF2-40B4-BE49-F238E27FC236}">
-                <a16:creationId xmlns:a16="http://schemas.microsoft.com/office/drawing/2014/main" id="{4B1ADA2F-69B2-4425-A595-5CCB0315B41F}"/>
-              </a:ext>
-            </a:extLst>
-          </p:cNvPr>
-          <p:cNvSpPr>
-            <a:spLocks noGrp="1"/>
-          </p:cNvSpPr>
-          <p:nvPr>
-            <p:ph type="title"/>
-          </p:nvPr>
-        </p:nvSpPr>
-        <p:spPr/>
-        <p:txBody>
-          <a:bodyPr/>
-          <a:lstStyle/>
-          <a:p>
+          <p:cNvPr id="4" name="Rectangle 3">
+            <a:extLst>
+              <a:ext uri="{FF2B5EF4-FFF2-40B4-BE49-F238E27FC236}">
+                <a16:creationId xmlns:a16="http://schemas.microsoft.com/office/drawing/2014/main" id="{394879CB-9D8D-4058-BC2D-4898702C97A9}"/>
+              </a:ext>
+            </a:extLst>
+          </p:cNvPr>
+          <p:cNvSpPr/>
+          <p:nvPr/>
+        </p:nvSpPr>
+        <p:spPr>
+          <a:xfrm>
+            <a:off x="864066" y="780176"/>
+            <a:ext cx="10687574" cy="1535185"/>
+          </a:xfrm>
+          <a:prstGeom prst="rect">
+            <a:avLst/>
+          </a:prstGeom>
+          <a:solidFill>
+            <a:schemeClr val="accent6">
+              <a:lumMod val="20000"/>
+              <a:lumOff val="80000"/>
+            </a:schemeClr>
+          </a:solidFill>
+          <a:ln>
+            <a:solidFill>
+              <a:schemeClr val="accent6">
+                <a:lumMod val="60000"/>
+                <a:lumOff val="40000"/>
+              </a:schemeClr>
+            </a:solidFill>
+          </a:ln>
+        </p:spPr>
+        <p:style>
+          <a:lnRef idx="2">
+            <a:schemeClr val="accent2">
+              <a:shade val="50000"/>
+            </a:schemeClr>
+          </a:lnRef>
+          <a:fillRef idx="1">
+            <a:schemeClr val="accent2"/>
+          </a:fillRef>
+          <a:effectRef idx="0">
+            <a:schemeClr val="accent2"/>
+          </a:effectRef>
+          <a:fontRef idx="minor">
+            <a:schemeClr val="lt1"/>
+          </a:fontRef>
+        </p:style>
+        <p:txBody>
+          <a:bodyPr rtlCol="0" anchor="ctr"/>
+          <a:lstStyle/>
+          <a:p>
+            <a:pPr algn="ctr"/>
             <a:endParaRPr lang="en-IN"/>
           </a:p>
         </p:txBody>
       </p:sp>
       <p:sp>
         <p:nvSpPr>
-          <p:cNvPr id="3" name="Content Placeholder 2">
-            <a:extLst>
-              <a:ext uri="{FF2B5EF4-FFF2-40B4-BE49-F238E27FC236}">
-                <a16:creationId xmlns:a16="http://schemas.microsoft.com/office/drawing/2014/main" id="{09956489-6762-4DAD-BC0A-EE7756073192}"/>
-              </a:ext>
-            </a:extLst>
-          </p:cNvPr>
-          <p:cNvSpPr>
-            <a:spLocks noGrp="1"/>
-          </p:cNvSpPr>
-          <p:nvPr>
-            <p:ph idx="1"/>
-          </p:nvPr>
-        </p:nvSpPr>
-        <p:spPr/>
-        <p:txBody>
-          <a:bodyPr/>
-          <a:lstStyle/>
-          <a:p>
+          <p:cNvPr id="5" name="Rectangle 4">
+            <a:extLst>
+              <a:ext uri="{FF2B5EF4-FFF2-40B4-BE49-F238E27FC236}">
+                <a16:creationId xmlns:a16="http://schemas.microsoft.com/office/drawing/2014/main" id="{E4EF9E4A-57BD-43B2-BC40-789AE3EB0BB5}"/>
+              </a:ext>
+            </a:extLst>
+          </p:cNvPr>
+          <p:cNvSpPr/>
+          <p:nvPr/>
+        </p:nvSpPr>
+        <p:spPr>
+          <a:xfrm>
+            <a:off x="1216404" y="1015068"/>
+            <a:ext cx="2450982" cy="1048624"/>
+          </a:xfrm>
+          <a:prstGeom prst="rect">
+            <a:avLst/>
+          </a:prstGeom>
+        </p:spPr>
+        <p:style>
+          <a:lnRef idx="2">
+            <a:schemeClr val="accent1">
+              <a:shade val="50000"/>
+            </a:schemeClr>
+          </a:lnRef>
+          <a:fillRef idx="1">
+            <a:schemeClr val="accent1"/>
+          </a:fillRef>
+          <a:effectRef idx="0">
+            <a:schemeClr val="accent1"/>
+          </a:effectRef>
+          <a:fontRef idx="minor">
+            <a:schemeClr val="lt1"/>
+          </a:fontRef>
+        </p:style>
+        <p:txBody>
+          <a:bodyPr rtlCol="0" anchor="ctr"/>
+          <a:lstStyle/>
+          <a:p>
+            <a:pPr algn="ctr"/>
+            <a:endParaRPr lang="en-IN"/>
+          </a:p>
+        </p:txBody>
+      </p:sp>
+      <p:sp>
+        <p:nvSpPr>
+          <p:cNvPr id="6" name="Rectangle 5">
+            <a:extLst>
+              <a:ext uri="{FF2B5EF4-FFF2-40B4-BE49-F238E27FC236}">
+                <a16:creationId xmlns:a16="http://schemas.microsoft.com/office/drawing/2014/main" id="{5A698431-C1DA-4A1C-8730-6CE58809123F}"/>
+              </a:ext>
+            </a:extLst>
+          </p:cNvPr>
+          <p:cNvSpPr/>
+          <p:nvPr/>
+        </p:nvSpPr>
+        <p:spPr>
+          <a:xfrm>
+            <a:off x="4557669" y="1023456"/>
+            <a:ext cx="3056039" cy="1048624"/>
+          </a:xfrm>
+          <a:prstGeom prst="rect">
+            <a:avLst/>
+          </a:prstGeom>
+        </p:spPr>
+        <p:style>
+          <a:lnRef idx="2">
+            <a:schemeClr val="accent1">
+              <a:shade val="50000"/>
+            </a:schemeClr>
+          </a:lnRef>
+          <a:fillRef idx="1">
+            <a:schemeClr val="accent1"/>
+          </a:fillRef>
+          <a:effectRef idx="0">
+            <a:schemeClr val="accent1"/>
+          </a:effectRef>
+          <a:fontRef idx="minor">
+            <a:schemeClr val="lt1"/>
+          </a:fontRef>
+        </p:style>
+        <p:txBody>
+          <a:bodyPr rtlCol="0" anchor="ctr"/>
+          <a:lstStyle/>
+          <a:p>
+            <a:pPr algn="ctr"/>
+            <a:endParaRPr lang="en-IN"/>
+          </a:p>
+        </p:txBody>
+      </p:sp>
+      <p:sp>
+        <p:nvSpPr>
+          <p:cNvPr id="7" name="Rectangle 6">
+            <a:extLst>
+              <a:ext uri="{FF2B5EF4-FFF2-40B4-BE49-F238E27FC236}">
+                <a16:creationId xmlns:a16="http://schemas.microsoft.com/office/drawing/2014/main" id="{E7D0DF50-5FA3-4C05-A7F8-0C292C9F3908}"/>
+              </a:ext>
+            </a:extLst>
+          </p:cNvPr>
+          <p:cNvSpPr/>
+          <p:nvPr/>
+        </p:nvSpPr>
+        <p:spPr>
+          <a:xfrm>
+            <a:off x="8614095" y="1015068"/>
+            <a:ext cx="2610375" cy="1048624"/>
+          </a:xfrm>
+          <a:prstGeom prst="rect">
+            <a:avLst/>
+          </a:prstGeom>
+        </p:spPr>
+        <p:style>
+          <a:lnRef idx="2">
+            <a:schemeClr val="accent1">
+              <a:shade val="50000"/>
+            </a:schemeClr>
+          </a:lnRef>
+          <a:fillRef idx="1">
+            <a:schemeClr val="accent1"/>
+          </a:fillRef>
+          <a:effectRef idx="0">
+            <a:schemeClr val="accent1"/>
+          </a:effectRef>
+          <a:fontRef idx="minor">
+            <a:schemeClr val="lt1"/>
+          </a:fontRef>
+        </p:style>
+        <p:txBody>
+          <a:bodyPr rtlCol="0" anchor="ctr"/>
+          <a:lstStyle/>
+          <a:p>
+            <a:pPr algn="ctr"/>
+            <a:endParaRPr lang="en-IN"/>
+          </a:p>
+        </p:txBody>
+      </p:sp>
+      <p:sp>
+        <p:nvSpPr>
+          <p:cNvPr id="8" name="Cylinder 7">
+            <a:extLst>
+              <a:ext uri="{FF2B5EF4-FFF2-40B4-BE49-F238E27FC236}">
+                <a16:creationId xmlns:a16="http://schemas.microsoft.com/office/drawing/2014/main" id="{3FBCD111-F726-4B9A-BF49-A1D9527402E6}"/>
+              </a:ext>
+            </a:extLst>
+          </p:cNvPr>
+          <p:cNvSpPr/>
+          <p:nvPr/>
+        </p:nvSpPr>
+        <p:spPr>
+          <a:xfrm>
+            <a:off x="2969351" y="1224792"/>
+            <a:ext cx="412459" cy="662730"/>
+          </a:xfrm>
+          <a:prstGeom prst="can">
+            <a:avLst/>
+          </a:prstGeom>
+        </p:spPr>
+        <p:style>
+          <a:lnRef idx="2">
+            <a:schemeClr val="accent2">
+              <a:shade val="50000"/>
+            </a:schemeClr>
+          </a:lnRef>
+          <a:fillRef idx="1">
+            <a:schemeClr val="accent2"/>
+          </a:fillRef>
+          <a:effectRef idx="0">
+            <a:schemeClr val="accent2"/>
+          </a:effectRef>
+          <a:fontRef idx="minor">
+            <a:schemeClr val="lt1"/>
+          </a:fontRef>
+        </p:style>
+        <p:txBody>
+          <a:bodyPr rtlCol="0" anchor="ctr"/>
+          <a:lstStyle/>
+          <a:p>
+            <a:pPr algn="ctr"/>
             <a:endParaRPr lang="en-IN" dirty="0"/>
+          </a:p>
+        </p:txBody>
+      </p:sp>
+      <p:sp>
+        <p:nvSpPr>
+          <p:cNvPr id="9" name="Cylinder 8">
+            <a:extLst>
+              <a:ext uri="{FF2B5EF4-FFF2-40B4-BE49-F238E27FC236}">
+                <a16:creationId xmlns:a16="http://schemas.microsoft.com/office/drawing/2014/main" id="{1D568B4A-76EA-4AD3-9193-9341ED7D477D}"/>
+              </a:ext>
+            </a:extLst>
+          </p:cNvPr>
+          <p:cNvSpPr/>
+          <p:nvPr/>
+        </p:nvSpPr>
+        <p:spPr>
+          <a:xfrm>
+            <a:off x="6888060" y="1216403"/>
+            <a:ext cx="412459" cy="662730"/>
+          </a:xfrm>
+          <a:prstGeom prst="can">
+            <a:avLst/>
+          </a:prstGeom>
+        </p:spPr>
+        <p:style>
+          <a:lnRef idx="2">
+            <a:schemeClr val="accent2">
+              <a:shade val="50000"/>
+            </a:schemeClr>
+          </a:lnRef>
+          <a:fillRef idx="1">
+            <a:schemeClr val="accent2"/>
+          </a:fillRef>
+          <a:effectRef idx="0">
+            <a:schemeClr val="accent2"/>
+          </a:effectRef>
+          <a:fontRef idx="minor">
+            <a:schemeClr val="lt1"/>
+          </a:fontRef>
+        </p:style>
+        <p:txBody>
+          <a:bodyPr rtlCol="0" anchor="ctr"/>
+          <a:lstStyle/>
+          <a:p>
+            <a:pPr algn="ctr"/>
+            <a:endParaRPr lang="en-IN" dirty="0"/>
+          </a:p>
+        </p:txBody>
+      </p:sp>
+      <p:sp>
+        <p:nvSpPr>
+          <p:cNvPr id="10" name="Cylinder 9">
+            <a:extLst>
+              <a:ext uri="{FF2B5EF4-FFF2-40B4-BE49-F238E27FC236}">
+                <a16:creationId xmlns:a16="http://schemas.microsoft.com/office/drawing/2014/main" id="{AA598B47-CA84-40CF-9E8D-4F0940BD03FC}"/>
+              </a:ext>
+            </a:extLst>
+          </p:cNvPr>
+          <p:cNvSpPr/>
+          <p:nvPr/>
+        </p:nvSpPr>
+        <p:spPr>
+          <a:xfrm>
+            <a:off x="10503715" y="1182849"/>
+            <a:ext cx="412459" cy="662730"/>
+          </a:xfrm>
+          <a:prstGeom prst="can">
+            <a:avLst/>
+          </a:prstGeom>
+        </p:spPr>
+        <p:style>
+          <a:lnRef idx="2">
+            <a:schemeClr val="accent2">
+              <a:shade val="50000"/>
+            </a:schemeClr>
+          </a:lnRef>
+          <a:fillRef idx="1">
+            <a:schemeClr val="accent2"/>
+          </a:fillRef>
+          <a:effectRef idx="0">
+            <a:schemeClr val="accent2"/>
+          </a:effectRef>
+          <a:fontRef idx="minor">
+            <a:schemeClr val="lt1"/>
+          </a:fontRef>
+        </p:style>
+        <p:txBody>
+          <a:bodyPr rtlCol="0" anchor="ctr"/>
+          <a:lstStyle/>
+          <a:p>
+            <a:pPr algn="ctr"/>
+            <a:endParaRPr lang="en-IN" dirty="0"/>
+          </a:p>
+        </p:txBody>
+      </p:sp>
+      <p:sp>
+        <p:nvSpPr>
+          <p:cNvPr id="11" name="Rectangle 10">
+            <a:extLst>
+              <a:ext uri="{FF2B5EF4-FFF2-40B4-BE49-F238E27FC236}">
+                <a16:creationId xmlns:a16="http://schemas.microsoft.com/office/drawing/2014/main" id="{094D8D55-9425-4FB1-8F66-6DE4796ABE6B}"/>
+              </a:ext>
+            </a:extLst>
+          </p:cNvPr>
+          <p:cNvSpPr/>
+          <p:nvPr/>
+        </p:nvSpPr>
+        <p:spPr>
+          <a:xfrm>
+            <a:off x="2191621" y="1239472"/>
+            <a:ext cx="492154" cy="629176"/>
+          </a:xfrm>
+          <a:prstGeom prst="rect">
+            <a:avLst/>
+          </a:prstGeom>
+        </p:spPr>
+        <p:style>
+          <a:lnRef idx="2">
+            <a:schemeClr val="accent4">
+              <a:shade val="50000"/>
+            </a:schemeClr>
+          </a:lnRef>
+          <a:fillRef idx="1">
+            <a:schemeClr val="accent4"/>
+          </a:fillRef>
+          <a:effectRef idx="0">
+            <a:schemeClr val="accent4"/>
+          </a:effectRef>
+          <a:fontRef idx="minor">
+            <a:schemeClr val="lt1"/>
+          </a:fontRef>
+        </p:style>
+        <p:txBody>
+          <a:bodyPr rtlCol="0" anchor="ctr"/>
+          <a:lstStyle/>
+          <a:p>
+            <a:pPr algn="ctr"/>
+            <a:endParaRPr lang="en-IN"/>
+          </a:p>
+        </p:txBody>
+      </p:sp>
+      <p:sp>
+        <p:nvSpPr>
+          <p:cNvPr id="12" name="Rectangle 11">
+            <a:extLst>
+              <a:ext uri="{FF2B5EF4-FFF2-40B4-BE49-F238E27FC236}">
+                <a16:creationId xmlns:a16="http://schemas.microsoft.com/office/drawing/2014/main" id="{EEA18ACB-4B97-449F-81B2-DF5DD43F4B7C}"/>
+              </a:ext>
+            </a:extLst>
+          </p:cNvPr>
+          <p:cNvSpPr/>
+          <p:nvPr/>
+        </p:nvSpPr>
+        <p:spPr>
+          <a:xfrm>
+            <a:off x="6093204" y="1245763"/>
+            <a:ext cx="492154" cy="629176"/>
+          </a:xfrm>
+          <a:prstGeom prst="rect">
+            <a:avLst/>
+          </a:prstGeom>
+        </p:spPr>
+        <p:style>
+          <a:lnRef idx="2">
+            <a:schemeClr val="accent4">
+              <a:shade val="50000"/>
+            </a:schemeClr>
+          </a:lnRef>
+          <a:fillRef idx="1">
+            <a:schemeClr val="accent4"/>
+          </a:fillRef>
+          <a:effectRef idx="0">
+            <a:schemeClr val="accent4"/>
+          </a:effectRef>
+          <a:fontRef idx="minor">
+            <a:schemeClr val="lt1"/>
+          </a:fontRef>
+        </p:style>
+        <p:txBody>
+          <a:bodyPr rtlCol="0" anchor="ctr"/>
+          <a:lstStyle/>
+          <a:p>
+            <a:pPr algn="ctr"/>
+            <a:endParaRPr lang="en-IN" dirty="0"/>
+          </a:p>
+        </p:txBody>
+      </p:sp>
+      <p:sp>
+        <p:nvSpPr>
+          <p:cNvPr id="13" name="Rectangle 12">
+            <a:extLst>
+              <a:ext uri="{FF2B5EF4-FFF2-40B4-BE49-F238E27FC236}">
+                <a16:creationId xmlns:a16="http://schemas.microsoft.com/office/drawing/2014/main" id="{358EF631-114D-4C0D-8A63-B1CA1B3BAAEB}"/>
+              </a:ext>
+            </a:extLst>
+          </p:cNvPr>
+          <p:cNvSpPr/>
+          <p:nvPr/>
+        </p:nvSpPr>
+        <p:spPr>
+          <a:xfrm>
+            <a:off x="9710781" y="1199626"/>
+            <a:ext cx="492154" cy="629176"/>
+          </a:xfrm>
+          <a:prstGeom prst="rect">
+            <a:avLst/>
+          </a:prstGeom>
+        </p:spPr>
+        <p:style>
+          <a:lnRef idx="2">
+            <a:schemeClr val="accent4">
+              <a:shade val="50000"/>
+            </a:schemeClr>
+          </a:lnRef>
+          <a:fillRef idx="1">
+            <a:schemeClr val="accent4"/>
+          </a:fillRef>
+          <a:effectRef idx="0">
+            <a:schemeClr val="accent4"/>
+          </a:effectRef>
+          <a:fontRef idx="minor">
+            <a:schemeClr val="lt1"/>
+          </a:fontRef>
+        </p:style>
+        <p:txBody>
+          <a:bodyPr rtlCol="0" anchor="ctr"/>
+          <a:lstStyle/>
+          <a:p>
+            <a:pPr algn="ctr"/>
+            <a:endParaRPr lang="en-IN"/>
+          </a:p>
+        </p:txBody>
+      </p:sp>
+      <p:sp>
+        <p:nvSpPr>
+          <p:cNvPr id="14" name="Rectangle 13">
+            <a:extLst>
+              <a:ext uri="{FF2B5EF4-FFF2-40B4-BE49-F238E27FC236}">
+                <a16:creationId xmlns:a16="http://schemas.microsoft.com/office/drawing/2014/main" id="{6423DB53-8073-4D90-A6D2-8BD797E0CC71}"/>
+              </a:ext>
+            </a:extLst>
+          </p:cNvPr>
+          <p:cNvSpPr/>
+          <p:nvPr/>
+        </p:nvSpPr>
+        <p:spPr>
+          <a:xfrm>
+            <a:off x="1451123" y="1239471"/>
+            <a:ext cx="492154" cy="629175"/>
+          </a:xfrm>
+          <a:prstGeom prst="rect">
+            <a:avLst/>
+          </a:prstGeom>
+        </p:spPr>
+        <p:style>
+          <a:lnRef idx="2">
+            <a:schemeClr val="accent3">
+              <a:shade val="50000"/>
+            </a:schemeClr>
+          </a:lnRef>
+          <a:fillRef idx="1">
+            <a:schemeClr val="accent3"/>
+          </a:fillRef>
+          <a:effectRef idx="0">
+            <a:schemeClr val="accent3"/>
+          </a:effectRef>
+          <a:fontRef idx="minor">
+            <a:schemeClr val="lt1"/>
+          </a:fontRef>
+        </p:style>
+        <p:txBody>
+          <a:bodyPr rtlCol="0" anchor="ctr"/>
+          <a:lstStyle/>
+          <a:p>
+            <a:pPr algn="ctr"/>
+            <a:endParaRPr lang="en-IN"/>
+          </a:p>
+        </p:txBody>
+      </p:sp>
+      <p:sp>
+        <p:nvSpPr>
+          <p:cNvPr id="15" name="Rectangle 14">
+            <a:extLst>
+              <a:ext uri="{FF2B5EF4-FFF2-40B4-BE49-F238E27FC236}">
+                <a16:creationId xmlns:a16="http://schemas.microsoft.com/office/drawing/2014/main" id="{D04C2E2C-09A7-4AD5-8F41-B07FA977C28D}"/>
+              </a:ext>
+            </a:extLst>
+          </p:cNvPr>
+          <p:cNvSpPr/>
+          <p:nvPr/>
+        </p:nvSpPr>
+        <p:spPr>
+          <a:xfrm>
+            <a:off x="5317922" y="1247860"/>
+            <a:ext cx="492154" cy="599816"/>
+          </a:xfrm>
+          <a:prstGeom prst="rect">
+            <a:avLst/>
+          </a:prstGeom>
+        </p:spPr>
+        <p:style>
+          <a:lnRef idx="2">
+            <a:schemeClr val="accent3">
+              <a:shade val="50000"/>
+            </a:schemeClr>
+          </a:lnRef>
+          <a:fillRef idx="1">
+            <a:schemeClr val="accent3"/>
+          </a:fillRef>
+          <a:effectRef idx="0">
+            <a:schemeClr val="accent3"/>
+          </a:effectRef>
+          <a:fontRef idx="minor">
+            <a:schemeClr val="lt1"/>
+          </a:fontRef>
+        </p:style>
+        <p:txBody>
+          <a:bodyPr rtlCol="0" anchor="ctr"/>
+          <a:lstStyle/>
+          <a:p>
+            <a:pPr algn="ctr"/>
+            <a:endParaRPr lang="en-IN"/>
+          </a:p>
+        </p:txBody>
+      </p:sp>
+      <p:sp>
+        <p:nvSpPr>
+          <p:cNvPr id="16" name="Rectangle 15">
+            <a:extLst>
+              <a:ext uri="{FF2B5EF4-FFF2-40B4-BE49-F238E27FC236}">
+                <a16:creationId xmlns:a16="http://schemas.microsoft.com/office/drawing/2014/main" id="{84E5C194-3B21-4E22-8456-8E5A6CBC2D44}"/>
+              </a:ext>
+            </a:extLst>
+          </p:cNvPr>
+          <p:cNvSpPr/>
+          <p:nvPr/>
+        </p:nvSpPr>
+        <p:spPr>
+          <a:xfrm>
+            <a:off x="8917847" y="1214306"/>
+            <a:ext cx="492154" cy="599816"/>
+          </a:xfrm>
+          <a:prstGeom prst="rect">
+            <a:avLst/>
+          </a:prstGeom>
+        </p:spPr>
+        <p:style>
+          <a:lnRef idx="2">
+            <a:schemeClr val="accent3">
+              <a:shade val="50000"/>
+            </a:schemeClr>
+          </a:lnRef>
+          <a:fillRef idx="1">
+            <a:schemeClr val="accent3"/>
+          </a:fillRef>
+          <a:effectRef idx="0">
+            <a:schemeClr val="accent3"/>
+          </a:effectRef>
+          <a:fontRef idx="minor">
+            <a:schemeClr val="lt1"/>
+          </a:fontRef>
+        </p:style>
+        <p:txBody>
+          <a:bodyPr rtlCol="0" anchor="ctr"/>
+          <a:lstStyle/>
+          <a:p>
+            <a:pPr algn="ctr"/>
+            <a:endParaRPr lang="en-IN"/>
+          </a:p>
+        </p:txBody>
+      </p:sp>
+      <p:sp>
+        <p:nvSpPr>
+          <p:cNvPr id="17" name="Rectangle 16">
+            <a:extLst>
+              <a:ext uri="{FF2B5EF4-FFF2-40B4-BE49-F238E27FC236}">
+                <a16:creationId xmlns:a16="http://schemas.microsoft.com/office/drawing/2014/main" id="{65DB0D2F-D928-4C4C-8BC6-6B99A0BF471F}"/>
+              </a:ext>
+            </a:extLst>
+          </p:cNvPr>
+          <p:cNvSpPr/>
+          <p:nvPr/>
+        </p:nvSpPr>
+        <p:spPr>
+          <a:xfrm>
+            <a:off x="4833109" y="1262540"/>
+            <a:ext cx="271943" cy="583039"/>
+          </a:xfrm>
+          <a:prstGeom prst="rect">
+            <a:avLst/>
+          </a:prstGeom>
+        </p:spPr>
+        <p:style>
+          <a:lnRef idx="2">
+            <a:schemeClr val="accent6">
+              <a:shade val="50000"/>
+            </a:schemeClr>
+          </a:lnRef>
+          <a:fillRef idx="1">
+            <a:schemeClr val="accent6"/>
+          </a:fillRef>
+          <a:effectRef idx="0">
+            <a:schemeClr val="accent6"/>
+          </a:effectRef>
+          <a:fontRef idx="minor">
+            <a:schemeClr val="lt1"/>
+          </a:fontRef>
+        </p:style>
+        <p:txBody>
+          <a:bodyPr rtlCol="0" anchor="ctr"/>
+          <a:lstStyle/>
+          <a:p>
+            <a:pPr algn="ctr"/>
+            <a:endParaRPr lang="en-IN"/>
+          </a:p>
+        </p:txBody>
+      </p:sp>
+      <p:cxnSp>
+        <p:nvCxnSpPr>
+          <p:cNvPr id="19" name="Straight Arrow Connector 18">
+            <a:extLst>
+              <a:ext uri="{FF2B5EF4-FFF2-40B4-BE49-F238E27FC236}">
+                <a16:creationId xmlns:a16="http://schemas.microsoft.com/office/drawing/2014/main" id="{C840F673-ABF9-4B8D-8582-2564970C0581}"/>
+              </a:ext>
+            </a:extLst>
+          </p:cNvPr>
+          <p:cNvCxnSpPr>
+            <a:cxnSpLocks/>
+            <a:stCxn id="5" idx="3"/>
+            <a:endCxn id="6" idx="1"/>
+          </p:cNvCxnSpPr>
+          <p:nvPr/>
+        </p:nvCxnSpPr>
+        <p:spPr>
+          <a:xfrm>
+            <a:off x="3667386" y="1539380"/>
+            <a:ext cx="890283" cy="8388"/>
+          </a:xfrm>
+          <a:prstGeom prst="straightConnector1">
+            <a:avLst/>
+          </a:prstGeom>
+          <a:ln>
+            <a:headEnd type="triangle"/>
+            <a:tailEnd type="triangle"/>
+          </a:ln>
+        </p:spPr>
+        <p:style>
+          <a:lnRef idx="3">
+            <a:schemeClr val="dk1"/>
+          </a:lnRef>
+          <a:fillRef idx="0">
+            <a:schemeClr val="dk1"/>
+          </a:fillRef>
+          <a:effectRef idx="2">
+            <a:schemeClr val="dk1"/>
+          </a:effectRef>
+          <a:fontRef idx="minor">
+            <a:schemeClr val="tx1"/>
+          </a:fontRef>
+        </p:style>
+      </p:cxnSp>
+      <p:cxnSp>
+        <p:nvCxnSpPr>
+          <p:cNvPr id="20" name="Straight Arrow Connector 19">
+            <a:extLst>
+              <a:ext uri="{FF2B5EF4-FFF2-40B4-BE49-F238E27FC236}">
+                <a16:creationId xmlns:a16="http://schemas.microsoft.com/office/drawing/2014/main" id="{916620F3-0894-411B-9EB7-623FFCC05346}"/>
+              </a:ext>
+            </a:extLst>
+          </p:cNvPr>
+          <p:cNvCxnSpPr>
+            <a:cxnSpLocks/>
+            <a:stCxn id="6" idx="3"/>
+            <a:endCxn id="7" idx="1"/>
+          </p:cNvCxnSpPr>
+          <p:nvPr/>
+        </p:nvCxnSpPr>
+        <p:spPr>
+          <a:xfrm flipV="1">
+            <a:off x="7613708" y="1539380"/>
+            <a:ext cx="1000387" cy="8388"/>
+          </a:xfrm>
+          <a:prstGeom prst="straightConnector1">
+            <a:avLst/>
+          </a:prstGeom>
+          <a:ln>
+            <a:headEnd type="triangle"/>
+            <a:tailEnd type="triangle"/>
+          </a:ln>
+        </p:spPr>
+        <p:style>
+          <a:lnRef idx="3">
+            <a:schemeClr val="dk1"/>
+          </a:lnRef>
+          <a:fillRef idx="0">
+            <a:schemeClr val="dk1"/>
+          </a:fillRef>
+          <a:effectRef idx="2">
+            <a:schemeClr val="dk1"/>
+          </a:effectRef>
+          <a:fontRef idx="minor">
+            <a:schemeClr val="tx1"/>
+          </a:fontRef>
+        </p:style>
+      </p:cxnSp>
+      <p:sp>
+        <p:nvSpPr>
+          <p:cNvPr id="23" name="Rectangle 22">
+            <a:extLst>
+              <a:ext uri="{FF2B5EF4-FFF2-40B4-BE49-F238E27FC236}">
+                <a16:creationId xmlns:a16="http://schemas.microsoft.com/office/drawing/2014/main" id="{BEC6B96C-606F-4566-B51B-25E2B2032290}"/>
+              </a:ext>
+            </a:extLst>
+          </p:cNvPr>
+          <p:cNvSpPr/>
+          <p:nvPr/>
+        </p:nvSpPr>
+        <p:spPr>
+          <a:xfrm>
+            <a:off x="864066" y="2822896"/>
+            <a:ext cx="10687574" cy="1535185"/>
+          </a:xfrm>
+          <a:prstGeom prst="rect">
+            <a:avLst/>
+          </a:prstGeom>
+          <a:solidFill>
+            <a:schemeClr val="accent6">
+              <a:lumMod val="20000"/>
+              <a:lumOff val="80000"/>
+            </a:schemeClr>
+          </a:solidFill>
+          <a:ln>
+            <a:solidFill>
+              <a:schemeClr val="accent6">
+                <a:lumMod val="60000"/>
+                <a:lumOff val="40000"/>
+              </a:schemeClr>
+            </a:solidFill>
+          </a:ln>
+        </p:spPr>
+        <p:style>
+          <a:lnRef idx="2">
+            <a:schemeClr val="accent2">
+              <a:shade val="50000"/>
+            </a:schemeClr>
+          </a:lnRef>
+          <a:fillRef idx="1">
+            <a:schemeClr val="accent2"/>
+          </a:fillRef>
+          <a:effectRef idx="0">
+            <a:schemeClr val="accent2"/>
+          </a:effectRef>
+          <a:fontRef idx="minor">
+            <a:schemeClr val="lt1"/>
+          </a:fontRef>
+        </p:style>
+        <p:txBody>
+          <a:bodyPr rtlCol="0" anchor="ctr"/>
+          <a:lstStyle/>
+          <a:p>
+            <a:pPr algn="ctr"/>
+            <a:endParaRPr lang="en-IN"/>
+          </a:p>
+        </p:txBody>
+      </p:sp>
+      <p:sp>
+        <p:nvSpPr>
+          <p:cNvPr id="24" name="Rectangle 23">
+            <a:extLst>
+              <a:ext uri="{FF2B5EF4-FFF2-40B4-BE49-F238E27FC236}">
+                <a16:creationId xmlns:a16="http://schemas.microsoft.com/office/drawing/2014/main" id="{039E5861-553F-4051-A34E-EFBE7CDEA339}"/>
+              </a:ext>
+            </a:extLst>
+          </p:cNvPr>
+          <p:cNvSpPr/>
+          <p:nvPr/>
+        </p:nvSpPr>
+        <p:spPr>
+          <a:xfrm>
+            <a:off x="864066" y="4842547"/>
+            <a:ext cx="10687574" cy="1535185"/>
+          </a:xfrm>
+          <a:prstGeom prst="rect">
+            <a:avLst/>
+          </a:prstGeom>
+          <a:solidFill>
+            <a:schemeClr val="accent6">
+              <a:lumMod val="20000"/>
+              <a:lumOff val="80000"/>
+            </a:schemeClr>
+          </a:solidFill>
+          <a:ln>
+            <a:solidFill>
+              <a:schemeClr val="accent6">
+                <a:lumMod val="60000"/>
+                <a:lumOff val="40000"/>
+              </a:schemeClr>
+            </a:solidFill>
+          </a:ln>
+        </p:spPr>
+        <p:style>
+          <a:lnRef idx="2">
+            <a:schemeClr val="accent2">
+              <a:shade val="50000"/>
+            </a:schemeClr>
+          </a:lnRef>
+          <a:fillRef idx="1">
+            <a:schemeClr val="accent2"/>
+          </a:fillRef>
+          <a:effectRef idx="0">
+            <a:schemeClr val="accent2"/>
+          </a:effectRef>
+          <a:fontRef idx="minor">
+            <a:schemeClr val="lt1"/>
+          </a:fontRef>
+        </p:style>
+        <p:txBody>
+          <a:bodyPr rtlCol="0" anchor="ctr"/>
+          <a:lstStyle/>
+          <a:p>
+            <a:pPr algn="ctr"/>
+            <a:endParaRPr lang="en-IN"/>
+          </a:p>
+        </p:txBody>
+      </p:sp>
+      <p:sp>
+        <p:nvSpPr>
+          <p:cNvPr id="25" name="Rectangle 24">
+            <a:extLst>
+              <a:ext uri="{FF2B5EF4-FFF2-40B4-BE49-F238E27FC236}">
+                <a16:creationId xmlns:a16="http://schemas.microsoft.com/office/drawing/2014/main" id="{06B793DE-F03F-4DE7-914C-214978941477}"/>
+              </a:ext>
+            </a:extLst>
+          </p:cNvPr>
+          <p:cNvSpPr/>
+          <p:nvPr/>
+        </p:nvSpPr>
+        <p:spPr>
+          <a:xfrm>
+            <a:off x="1346434" y="3055689"/>
+            <a:ext cx="3592584" cy="1069597"/>
+          </a:xfrm>
+          <a:prstGeom prst="rect">
+            <a:avLst/>
+          </a:prstGeom>
+        </p:spPr>
+        <p:style>
+          <a:lnRef idx="2">
+            <a:schemeClr val="accent1">
+              <a:shade val="50000"/>
+            </a:schemeClr>
+          </a:lnRef>
+          <a:fillRef idx="1">
+            <a:schemeClr val="accent1"/>
+          </a:fillRef>
+          <a:effectRef idx="0">
+            <a:schemeClr val="accent1"/>
+          </a:effectRef>
+          <a:fontRef idx="minor">
+            <a:schemeClr val="lt1"/>
+          </a:fontRef>
+        </p:style>
+        <p:txBody>
+          <a:bodyPr rtlCol="0" anchor="ctr"/>
+          <a:lstStyle/>
+          <a:p>
+            <a:pPr algn="ctr"/>
+            <a:endParaRPr lang="en-IN"/>
+          </a:p>
+        </p:txBody>
+      </p:sp>
+      <p:sp>
+        <p:nvSpPr>
+          <p:cNvPr id="27" name="Rectangle 26">
+            <a:extLst>
+              <a:ext uri="{FF2B5EF4-FFF2-40B4-BE49-F238E27FC236}">
+                <a16:creationId xmlns:a16="http://schemas.microsoft.com/office/drawing/2014/main" id="{692573C9-17DB-410A-9747-4F6B583E2286}"/>
+              </a:ext>
+            </a:extLst>
+          </p:cNvPr>
+          <p:cNvSpPr/>
+          <p:nvPr/>
+        </p:nvSpPr>
+        <p:spPr>
+          <a:xfrm>
+            <a:off x="7541005" y="3074565"/>
+            <a:ext cx="3592584" cy="1069597"/>
+          </a:xfrm>
+          <a:prstGeom prst="rect">
+            <a:avLst/>
+          </a:prstGeom>
+        </p:spPr>
+        <p:style>
+          <a:lnRef idx="2">
+            <a:schemeClr val="accent1">
+              <a:shade val="50000"/>
+            </a:schemeClr>
+          </a:lnRef>
+          <a:fillRef idx="1">
+            <a:schemeClr val="accent1"/>
+          </a:fillRef>
+          <a:effectRef idx="0">
+            <a:schemeClr val="accent1"/>
+          </a:effectRef>
+          <a:fontRef idx="minor">
+            <a:schemeClr val="lt1"/>
+          </a:fontRef>
+        </p:style>
+        <p:txBody>
+          <a:bodyPr rtlCol="0" anchor="ctr"/>
+          <a:lstStyle/>
+          <a:p>
+            <a:pPr algn="ctr"/>
+            <a:endParaRPr lang="en-IN"/>
+          </a:p>
+        </p:txBody>
+      </p:sp>
+      <p:sp>
+        <p:nvSpPr>
+          <p:cNvPr id="28" name="Rectangle 27">
+            <a:extLst>
+              <a:ext uri="{FF2B5EF4-FFF2-40B4-BE49-F238E27FC236}">
+                <a16:creationId xmlns:a16="http://schemas.microsoft.com/office/drawing/2014/main" id="{5AADA947-C5BC-4E63-80EC-5332E1456E04}"/>
+              </a:ext>
+            </a:extLst>
+          </p:cNvPr>
+          <p:cNvSpPr/>
+          <p:nvPr/>
+        </p:nvSpPr>
+        <p:spPr>
+          <a:xfrm>
+            <a:off x="3552737" y="3271705"/>
+            <a:ext cx="1266738" cy="637564"/>
+          </a:xfrm>
+          <a:prstGeom prst="rect">
+            <a:avLst/>
+          </a:prstGeom>
+        </p:spPr>
+        <p:style>
+          <a:lnRef idx="2">
+            <a:schemeClr val="accent2">
+              <a:shade val="50000"/>
+            </a:schemeClr>
+          </a:lnRef>
+          <a:fillRef idx="1">
+            <a:schemeClr val="accent2"/>
+          </a:fillRef>
+          <a:effectRef idx="0">
+            <a:schemeClr val="accent2"/>
+          </a:effectRef>
+          <a:fontRef idx="minor">
+            <a:schemeClr val="lt1"/>
+          </a:fontRef>
+        </p:style>
+        <p:txBody>
+          <a:bodyPr rtlCol="0" anchor="ctr"/>
+          <a:lstStyle/>
+          <a:p>
+            <a:pPr algn="ctr"/>
+            <a:endParaRPr lang="en-IN"/>
+          </a:p>
+        </p:txBody>
+      </p:sp>
+      <p:sp>
+        <p:nvSpPr>
+          <p:cNvPr id="29" name="Rectangle 28">
+            <a:extLst>
+              <a:ext uri="{FF2B5EF4-FFF2-40B4-BE49-F238E27FC236}">
+                <a16:creationId xmlns:a16="http://schemas.microsoft.com/office/drawing/2014/main" id="{8F661DE5-3085-49E7-8905-DBA5EB55FA7B}"/>
+              </a:ext>
+            </a:extLst>
+          </p:cNvPr>
+          <p:cNvSpPr/>
+          <p:nvPr/>
+        </p:nvSpPr>
+        <p:spPr>
+          <a:xfrm>
+            <a:off x="9626191" y="3290581"/>
+            <a:ext cx="1266738" cy="637564"/>
+          </a:xfrm>
+          <a:prstGeom prst="rect">
+            <a:avLst/>
+          </a:prstGeom>
+        </p:spPr>
+        <p:style>
+          <a:lnRef idx="2">
+            <a:schemeClr val="accent2">
+              <a:shade val="50000"/>
+            </a:schemeClr>
+          </a:lnRef>
+          <a:fillRef idx="1">
+            <a:schemeClr val="accent2"/>
+          </a:fillRef>
+          <a:effectRef idx="0">
+            <a:schemeClr val="accent2"/>
+          </a:effectRef>
+          <a:fontRef idx="minor">
+            <a:schemeClr val="lt1"/>
+          </a:fontRef>
+        </p:style>
+        <p:txBody>
+          <a:bodyPr rtlCol="0" anchor="ctr"/>
+          <a:lstStyle/>
+          <a:p>
+            <a:pPr algn="ctr"/>
+            <a:endParaRPr lang="en-IN"/>
+          </a:p>
+        </p:txBody>
+      </p:sp>
+      <p:sp>
+        <p:nvSpPr>
+          <p:cNvPr id="30" name="Rectangle 29">
+            <a:extLst>
+              <a:ext uri="{FF2B5EF4-FFF2-40B4-BE49-F238E27FC236}">
+                <a16:creationId xmlns:a16="http://schemas.microsoft.com/office/drawing/2014/main" id="{CACEBDBF-5488-4FD5-A8BA-97E34F817E4A}"/>
+              </a:ext>
+            </a:extLst>
+          </p:cNvPr>
+          <p:cNvSpPr/>
+          <p:nvPr/>
+        </p:nvSpPr>
+        <p:spPr>
+          <a:xfrm>
+            <a:off x="2536621" y="3271705"/>
+            <a:ext cx="637563" cy="637564"/>
+          </a:xfrm>
+          <a:prstGeom prst="rect">
+            <a:avLst/>
+          </a:prstGeom>
+        </p:spPr>
+        <p:style>
+          <a:lnRef idx="2">
+            <a:schemeClr val="accent3">
+              <a:shade val="50000"/>
+            </a:schemeClr>
+          </a:lnRef>
+          <a:fillRef idx="1">
+            <a:schemeClr val="accent3"/>
+          </a:fillRef>
+          <a:effectRef idx="0">
+            <a:schemeClr val="accent3"/>
+          </a:effectRef>
+          <a:fontRef idx="minor">
+            <a:schemeClr val="lt1"/>
+          </a:fontRef>
+        </p:style>
+        <p:txBody>
+          <a:bodyPr rtlCol="0" anchor="ctr"/>
+          <a:lstStyle/>
+          <a:p>
+            <a:pPr algn="ctr"/>
+            <a:endParaRPr lang="en-IN"/>
+          </a:p>
+        </p:txBody>
+      </p:sp>
+      <p:sp>
+        <p:nvSpPr>
+          <p:cNvPr id="31" name="Rectangle 30">
+            <a:extLst>
+              <a:ext uri="{FF2B5EF4-FFF2-40B4-BE49-F238E27FC236}">
+                <a16:creationId xmlns:a16="http://schemas.microsoft.com/office/drawing/2014/main" id="{648E04CB-F539-493A-B57E-A93E45751681}"/>
+              </a:ext>
+            </a:extLst>
+          </p:cNvPr>
+          <p:cNvSpPr/>
+          <p:nvPr/>
+        </p:nvSpPr>
+        <p:spPr>
+          <a:xfrm>
+            <a:off x="8656913" y="3281143"/>
+            <a:ext cx="637563" cy="637564"/>
+          </a:xfrm>
+          <a:prstGeom prst="rect">
+            <a:avLst/>
+          </a:prstGeom>
+        </p:spPr>
+        <p:style>
+          <a:lnRef idx="2">
+            <a:schemeClr val="accent3">
+              <a:shade val="50000"/>
+            </a:schemeClr>
+          </a:lnRef>
+          <a:fillRef idx="1">
+            <a:schemeClr val="accent3"/>
+          </a:fillRef>
+          <a:effectRef idx="0">
+            <a:schemeClr val="accent3"/>
+          </a:effectRef>
+          <a:fontRef idx="minor">
+            <a:schemeClr val="lt1"/>
+          </a:fontRef>
+        </p:style>
+        <p:txBody>
+          <a:bodyPr rtlCol="0" anchor="ctr"/>
+          <a:lstStyle/>
+          <a:p>
+            <a:pPr algn="ctr"/>
+            <a:endParaRPr lang="en-IN"/>
+          </a:p>
+        </p:txBody>
+      </p:sp>
+      <p:cxnSp>
+        <p:nvCxnSpPr>
+          <p:cNvPr id="33" name="Straight Arrow Connector 32">
+            <a:extLst>
+              <a:ext uri="{FF2B5EF4-FFF2-40B4-BE49-F238E27FC236}">
+                <a16:creationId xmlns:a16="http://schemas.microsoft.com/office/drawing/2014/main" id="{89BFE865-E9C5-480F-8C20-28741A8D463D}"/>
+              </a:ext>
+            </a:extLst>
+          </p:cNvPr>
+          <p:cNvCxnSpPr>
+            <a:cxnSpLocks/>
+            <a:stCxn id="25" idx="3"/>
+            <a:endCxn id="27" idx="1"/>
+          </p:cNvCxnSpPr>
+          <p:nvPr/>
+        </p:nvCxnSpPr>
+        <p:spPr>
+          <a:xfrm>
+            <a:off x="4939018" y="3590488"/>
+            <a:ext cx="2601987" cy="18876"/>
+          </a:xfrm>
+          <a:prstGeom prst="straightConnector1">
+            <a:avLst/>
+          </a:prstGeom>
+          <a:ln>
+            <a:headEnd type="triangle"/>
+            <a:tailEnd type="triangle"/>
+          </a:ln>
+        </p:spPr>
+        <p:style>
+          <a:lnRef idx="3">
+            <a:schemeClr val="dk1"/>
+          </a:lnRef>
+          <a:fillRef idx="0">
+            <a:schemeClr val="dk1"/>
+          </a:fillRef>
+          <a:effectRef idx="2">
+            <a:schemeClr val="dk1"/>
+          </a:effectRef>
+          <a:fontRef idx="minor">
+            <a:schemeClr val="tx1"/>
+          </a:fontRef>
+        </p:style>
+      </p:cxnSp>
+      <p:sp>
+        <p:nvSpPr>
+          <p:cNvPr id="36" name="Rectangle 35">
+            <a:extLst>
+              <a:ext uri="{FF2B5EF4-FFF2-40B4-BE49-F238E27FC236}">
+                <a16:creationId xmlns:a16="http://schemas.microsoft.com/office/drawing/2014/main" id="{F6B19AB4-A108-4EFF-986A-41B499D0DBA7}"/>
+              </a:ext>
+            </a:extLst>
+          </p:cNvPr>
+          <p:cNvSpPr/>
+          <p:nvPr/>
+        </p:nvSpPr>
+        <p:spPr>
+          <a:xfrm>
+            <a:off x="1596531" y="3298967"/>
+            <a:ext cx="586879" cy="583039"/>
+          </a:xfrm>
+          <a:prstGeom prst="rect">
+            <a:avLst/>
+          </a:prstGeom>
+        </p:spPr>
+        <p:style>
+          <a:lnRef idx="2">
+            <a:schemeClr val="accent6">
+              <a:shade val="50000"/>
+            </a:schemeClr>
+          </a:lnRef>
+          <a:fillRef idx="1">
+            <a:schemeClr val="accent6"/>
+          </a:fillRef>
+          <a:effectRef idx="0">
+            <a:schemeClr val="accent6"/>
+          </a:effectRef>
+          <a:fontRef idx="minor">
+            <a:schemeClr val="lt1"/>
+          </a:fontRef>
+        </p:style>
+        <p:txBody>
+          <a:bodyPr rtlCol="0" anchor="ctr"/>
+          <a:lstStyle/>
+          <a:p>
+            <a:pPr algn="ctr"/>
+            <a:endParaRPr lang="en-IN"/>
+          </a:p>
+        </p:txBody>
+      </p:sp>
+      <p:sp>
+        <p:nvSpPr>
+          <p:cNvPr id="37" name="Rectangle 36">
+            <a:extLst>
+              <a:ext uri="{FF2B5EF4-FFF2-40B4-BE49-F238E27FC236}">
+                <a16:creationId xmlns:a16="http://schemas.microsoft.com/office/drawing/2014/main" id="{0B376CF1-3CD4-49A8-AC4B-C8BE88B4996F}"/>
+              </a:ext>
+            </a:extLst>
+          </p:cNvPr>
+          <p:cNvSpPr/>
+          <p:nvPr/>
+        </p:nvSpPr>
+        <p:spPr>
+          <a:xfrm>
+            <a:off x="7807005" y="3308406"/>
+            <a:ext cx="609247" cy="583039"/>
+          </a:xfrm>
+          <a:prstGeom prst="rect">
+            <a:avLst/>
+          </a:prstGeom>
+        </p:spPr>
+        <p:style>
+          <a:lnRef idx="2">
+            <a:schemeClr val="accent6">
+              <a:shade val="50000"/>
+            </a:schemeClr>
+          </a:lnRef>
+          <a:fillRef idx="1">
+            <a:schemeClr val="accent6"/>
+          </a:fillRef>
+          <a:effectRef idx="0">
+            <a:schemeClr val="accent6"/>
+          </a:effectRef>
+          <a:fontRef idx="minor">
+            <a:schemeClr val="lt1"/>
+          </a:fontRef>
+        </p:style>
+        <p:txBody>
+          <a:bodyPr rtlCol="0" anchor="ctr"/>
+          <a:lstStyle/>
+          <a:p>
+            <a:pPr algn="ctr"/>
+            <a:endParaRPr lang="en-IN"/>
+          </a:p>
+        </p:txBody>
+      </p:sp>
+      <p:cxnSp>
+        <p:nvCxnSpPr>
+          <p:cNvPr id="40" name="Straight Arrow Connector 39">
+            <a:extLst>
+              <a:ext uri="{FF2B5EF4-FFF2-40B4-BE49-F238E27FC236}">
+                <a16:creationId xmlns:a16="http://schemas.microsoft.com/office/drawing/2014/main" id="{0B0A04F6-B518-4A19-AFC1-5D5F2DF108B5}"/>
+              </a:ext>
+            </a:extLst>
+          </p:cNvPr>
+          <p:cNvCxnSpPr>
+            <a:cxnSpLocks/>
+            <a:stCxn id="6" idx="2"/>
+            <a:endCxn id="25" idx="0"/>
+          </p:cNvCxnSpPr>
+          <p:nvPr/>
+        </p:nvCxnSpPr>
+        <p:spPr>
+          <a:xfrm flipH="1">
+            <a:off x="3142726" y="2072080"/>
+            <a:ext cx="2942963" cy="983609"/>
+          </a:xfrm>
+          <a:prstGeom prst="straightConnector1">
+            <a:avLst/>
+          </a:prstGeom>
+          <a:ln>
+            <a:solidFill>
+              <a:srgbClr val="FF0000"/>
+            </a:solidFill>
+            <a:headEnd type="triangle"/>
+            <a:tailEnd type="triangle"/>
+          </a:ln>
+        </p:spPr>
+        <p:style>
+          <a:lnRef idx="3">
+            <a:schemeClr val="accent2"/>
+          </a:lnRef>
+          <a:fillRef idx="0">
+            <a:schemeClr val="accent2"/>
+          </a:fillRef>
+          <a:effectRef idx="2">
+            <a:schemeClr val="accent2"/>
+          </a:effectRef>
+          <a:fontRef idx="minor">
+            <a:schemeClr val="tx1"/>
+          </a:fontRef>
+        </p:style>
+      </p:cxnSp>
+      <p:cxnSp>
+        <p:nvCxnSpPr>
+          <p:cNvPr id="48" name="Straight Arrow Connector 47">
+            <a:extLst>
+              <a:ext uri="{FF2B5EF4-FFF2-40B4-BE49-F238E27FC236}">
+                <a16:creationId xmlns:a16="http://schemas.microsoft.com/office/drawing/2014/main" id="{A6DEC396-EFC1-4F8E-8B0B-911F71FD0A23}"/>
+              </a:ext>
+            </a:extLst>
+          </p:cNvPr>
+          <p:cNvCxnSpPr>
+            <a:cxnSpLocks/>
+            <a:stCxn id="27" idx="0"/>
+            <a:endCxn id="6" idx="2"/>
+          </p:cNvCxnSpPr>
+          <p:nvPr/>
+        </p:nvCxnSpPr>
+        <p:spPr>
+          <a:xfrm flipH="1" flipV="1">
+            <a:off x="6085689" y="2072080"/>
+            <a:ext cx="3251608" cy="1002485"/>
+          </a:xfrm>
+          <a:prstGeom prst="straightConnector1">
+            <a:avLst/>
+          </a:prstGeom>
+          <a:ln>
+            <a:solidFill>
+              <a:srgbClr val="FF0000"/>
+            </a:solidFill>
+            <a:headEnd type="triangle"/>
+            <a:tailEnd type="triangle"/>
+          </a:ln>
+        </p:spPr>
+        <p:style>
+          <a:lnRef idx="3">
+            <a:schemeClr val="accent2"/>
+          </a:lnRef>
+          <a:fillRef idx="0">
+            <a:schemeClr val="accent2"/>
+          </a:fillRef>
+          <a:effectRef idx="2">
+            <a:schemeClr val="accent2"/>
+          </a:effectRef>
+          <a:fontRef idx="minor">
+            <a:schemeClr val="tx1"/>
+          </a:fontRef>
+        </p:style>
+      </p:cxnSp>
+      <p:sp>
+        <p:nvSpPr>
+          <p:cNvPr id="51" name="Rectangle 50">
+            <a:extLst>
+              <a:ext uri="{FF2B5EF4-FFF2-40B4-BE49-F238E27FC236}">
+                <a16:creationId xmlns:a16="http://schemas.microsoft.com/office/drawing/2014/main" id="{7CF76EEB-9FC2-4453-B56D-9DB65B14B8DE}"/>
+              </a:ext>
+            </a:extLst>
+          </p:cNvPr>
+          <p:cNvSpPr/>
+          <p:nvPr/>
+        </p:nvSpPr>
+        <p:spPr>
+          <a:xfrm>
+            <a:off x="1277141" y="5184395"/>
+            <a:ext cx="2118217" cy="973123"/>
+          </a:xfrm>
+          <a:prstGeom prst="rect">
+            <a:avLst/>
+          </a:prstGeom>
+        </p:spPr>
+        <p:style>
+          <a:lnRef idx="2">
+            <a:schemeClr val="accent1">
+              <a:shade val="50000"/>
+            </a:schemeClr>
+          </a:lnRef>
+          <a:fillRef idx="1">
+            <a:schemeClr val="accent1"/>
+          </a:fillRef>
+          <a:effectRef idx="0">
+            <a:schemeClr val="accent1"/>
+          </a:effectRef>
+          <a:fontRef idx="minor">
+            <a:schemeClr val="lt1"/>
+          </a:fontRef>
+        </p:style>
+        <p:txBody>
+          <a:bodyPr rtlCol="0" anchor="ctr"/>
+          <a:lstStyle/>
+          <a:p>
+            <a:pPr algn="ctr"/>
+            <a:endParaRPr lang="en-IN"/>
+          </a:p>
+        </p:txBody>
+      </p:sp>
+      <p:sp>
+        <p:nvSpPr>
+          <p:cNvPr id="52" name="Rectangle 51">
+            <a:extLst>
+              <a:ext uri="{FF2B5EF4-FFF2-40B4-BE49-F238E27FC236}">
+                <a16:creationId xmlns:a16="http://schemas.microsoft.com/office/drawing/2014/main" id="{B737B979-1540-47B0-BE14-5BE19DCA0D4E}"/>
+              </a:ext>
+            </a:extLst>
+          </p:cNvPr>
+          <p:cNvSpPr/>
+          <p:nvPr/>
+        </p:nvSpPr>
+        <p:spPr>
+          <a:xfrm>
+            <a:off x="3875276" y="5184395"/>
+            <a:ext cx="2110356" cy="973123"/>
+          </a:xfrm>
+          <a:prstGeom prst="rect">
+            <a:avLst/>
+          </a:prstGeom>
+        </p:spPr>
+        <p:style>
+          <a:lnRef idx="2">
+            <a:schemeClr val="accent1">
+              <a:shade val="50000"/>
+            </a:schemeClr>
+          </a:lnRef>
+          <a:fillRef idx="1">
+            <a:schemeClr val="accent1"/>
+          </a:fillRef>
+          <a:effectRef idx="0">
+            <a:schemeClr val="accent1"/>
+          </a:effectRef>
+          <a:fontRef idx="minor">
+            <a:schemeClr val="lt1"/>
+          </a:fontRef>
+        </p:style>
+        <p:txBody>
+          <a:bodyPr rtlCol="0" anchor="ctr"/>
+          <a:lstStyle/>
+          <a:p>
+            <a:pPr algn="ctr"/>
+            <a:endParaRPr lang="en-IN"/>
+          </a:p>
+        </p:txBody>
+      </p:sp>
+      <p:sp>
+        <p:nvSpPr>
+          <p:cNvPr id="53" name="Rectangle 52">
+            <a:extLst>
+              <a:ext uri="{FF2B5EF4-FFF2-40B4-BE49-F238E27FC236}">
+                <a16:creationId xmlns:a16="http://schemas.microsoft.com/office/drawing/2014/main" id="{F37F91BF-FAAE-4499-933E-6D0EAA4BBD1E}"/>
+              </a:ext>
+            </a:extLst>
+          </p:cNvPr>
+          <p:cNvSpPr/>
+          <p:nvPr/>
+        </p:nvSpPr>
+        <p:spPr>
+          <a:xfrm>
+            <a:off x="6515628" y="5184395"/>
+            <a:ext cx="2110356" cy="973123"/>
+          </a:xfrm>
+          <a:prstGeom prst="rect">
+            <a:avLst/>
+          </a:prstGeom>
+        </p:spPr>
+        <p:style>
+          <a:lnRef idx="2">
+            <a:schemeClr val="accent1">
+              <a:shade val="50000"/>
+            </a:schemeClr>
+          </a:lnRef>
+          <a:fillRef idx="1">
+            <a:schemeClr val="accent1"/>
+          </a:fillRef>
+          <a:effectRef idx="0">
+            <a:schemeClr val="accent1"/>
+          </a:effectRef>
+          <a:fontRef idx="minor">
+            <a:schemeClr val="lt1"/>
+          </a:fontRef>
+        </p:style>
+        <p:txBody>
+          <a:bodyPr rtlCol="0" anchor="ctr"/>
+          <a:lstStyle/>
+          <a:p>
+            <a:pPr algn="ctr"/>
+            <a:endParaRPr lang="en-IN"/>
+          </a:p>
+        </p:txBody>
+      </p:sp>
+      <p:sp>
+        <p:nvSpPr>
+          <p:cNvPr id="54" name="Rectangle 53">
+            <a:extLst>
+              <a:ext uri="{FF2B5EF4-FFF2-40B4-BE49-F238E27FC236}">
+                <a16:creationId xmlns:a16="http://schemas.microsoft.com/office/drawing/2014/main" id="{0397B0A9-5E10-4D40-9C48-23A83E850949}"/>
+              </a:ext>
+            </a:extLst>
+          </p:cNvPr>
+          <p:cNvSpPr/>
+          <p:nvPr/>
+        </p:nvSpPr>
+        <p:spPr>
+          <a:xfrm>
+            <a:off x="9105902" y="5184395"/>
+            <a:ext cx="2027687" cy="973123"/>
+          </a:xfrm>
+          <a:prstGeom prst="rect">
+            <a:avLst/>
+          </a:prstGeom>
+        </p:spPr>
+        <p:style>
+          <a:lnRef idx="2">
+            <a:schemeClr val="accent1">
+              <a:shade val="50000"/>
+            </a:schemeClr>
+          </a:lnRef>
+          <a:fillRef idx="1">
+            <a:schemeClr val="accent1"/>
+          </a:fillRef>
+          <a:effectRef idx="0">
+            <a:schemeClr val="accent1"/>
+          </a:effectRef>
+          <a:fontRef idx="minor">
+            <a:schemeClr val="lt1"/>
+          </a:fontRef>
+        </p:style>
+        <p:txBody>
+          <a:bodyPr rtlCol="0" anchor="ctr"/>
+          <a:lstStyle/>
+          <a:p>
+            <a:pPr algn="ctr"/>
+            <a:endParaRPr lang="en-IN"/>
+          </a:p>
+        </p:txBody>
+      </p:sp>
+      <p:cxnSp>
+        <p:nvCxnSpPr>
+          <p:cNvPr id="55" name="Straight Arrow Connector 54">
+            <a:extLst>
+              <a:ext uri="{FF2B5EF4-FFF2-40B4-BE49-F238E27FC236}">
+                <a16:creationId xmlns:a16="http://schemas.microsoft.com/office/drawing/2014/main" id="{1686D654-7A99-4D8A-B18F-DD182FDBC0BE}"/>
+              </a:ext>
+            </a:extLst>
+          </p:cNvPr>
+          <p:cNvCxnSpPr>
+            <a:cxnSpLocks/>
+            <a:stCxn id="25" idx="2"/>
+            <a:endCxn id="51" idx="0"/>
+          </p:cNvCxnSpPr>
+          <p:nvPr/>
+        </p:nvCxnSpPr>
+        <p:spPr>
+          <a:xfrm flipH="1">
+            <a:off x="2336250" y="4125286"/>
+            <a:ext cx="806476" cy="1059109"/>
+          </a:xfrm>
+          <a:prstGeom prst="straightConnector1">
+            <a:avLst/>
+          </a:prstGeom>
+          <a:ln>
+            <a:solidFill>
+              <a:srgbClr val="FF0000"/>
+            </a:solidFill>
+            <a:headEnd type="triangle"/>
+            <a:tailEnd type="triangle"/>
+          </a:ln>
+        </p:spPr>
+        <p:style>
+          <a:lnRef idx="3">
+            <a:schemeClr val="accent2"/>
+          </a:lnRef>
+          <a:fillRef idx="0">
+            <a:schemeClr val="accent2"/>
+          </a:fillRef>
+          <a:effectRef idx="2">
+            <a:schemeClr val="accent2"/>
+          </a:effectRef>
+          <a:fontRef idx="minor">
+            <a:schemeClr val="tx1"/>
+          </a:fontRef>
+        </p:style>
+      </p:cxnSp>
+      <p:cxnSp>
+        <p:nvCxnSpPr>
+          <p:cNvPr id="58" name="Straight Arrow Connector 57">
+            <a:extLst>
+              <a:ext uri="{FF2B5EF4-FFF2-40B4-BE49-F238E27FC236}">
+                <a16:creationId xmlns:a16="http://schemas.microsoft.com/office/drawing/2014/main" id="{7AD6AE08-A6B2-48B7-A4B1-436B09D65CE4}"/>
+              </a:ext>
+            </a:extLst>
+          </p:cNvPr>
+          <p:cNvCxnSpPr>
+            <a:cxnSpLocks/>
+            <a:stCxn id="25" idx="2"/>
+            <a:endCxn id="52" idx="0"/>
+          </p:cNvCxnSpPr>
+          <p:nvPr/>
+        </p:nvCxnSpPr>
+        <p:spPr>
+          <a:xfrm>
+            <a:off x="3142726" y="4125286"/>
+            <a:ext cx="1787728" cy="1059109"/>
+          </a:xfrm>
+          <a:prstGeom prst="straightConnector1">
+            <a:avLst/>
+          </a:prstGeom>
+          <a:ln>
+            <a:solidFill>
+              <a:srgbClr val="FF0000"/>
+            </a:solidFill>
+            <a:headEnd type="triangle"/>
+            <a:tailEnd type="triangle"/>
+          </a:ln>
+        </p:spPr>
+        <p:style>
+          <a:lnRef idx="3">
+            <a:schemeClr val="accent2"/>
+          </a:lnRef>
+          <a:fillRef idx="0">
+            <a:schemeClr val="accent2"/>
+          </a:fillRef>
+          <a:effectRef idx="2">
+            <a:schemeClr val="accent2"/>
+          </a:effectRef>
+          <a:fontRef idx="minor">
+            <a:schemeClr val="tx1"/>
+          </a:fontRef>
+        </p:style>
+      </p:cxnSp>
+      <p:cxnSp>
+        <p:nvCxnSpPr>
+          <p:cNvPr id="62" name="Straight Arrow Connector 61">
+            <a:extLst>
+              <a:ext uri="{FF2B5EF4-FFF2-40B4-BE49-F238E27FC236}">
+                <a16:creationId xmlns:a16="http://schemas.microsoft.com/office/drawing/2014/main" id="{D037B28F-A49D-4305-A0DE-9CC1270A6844}"/>
+              </a:ext>
+            </a:extLst>
+          </p:cNvPr>
+          <p:cNvCxnSpPr>
+            <a:cxnSpLocks/>
+            <a:stCxn id="27" idx="2"/>
+            <a:endCxn id="53" idx="0"/>
+          </p:cNvCxnSpPr>
+          <p:nvPr/>
+        </p:nvCxnSpPr>
+        <p:spPr>
+          <a:xfrm flipH="1">
+            <a:off x="7570806" y="4144162"/>
+            <a:ext cx="1766491" cy="1040233"/>
+          </a:xfrm>
+          <a:prstGeom prst="straightConnector1">
+            <a:avLst/>
+          </a:prstGeom>
+          <a:ln>
+            <a:solidFill>
+              <a:srgbClr val="FF0000"/>
+            </a:solidFill>
+            <a:headEnd type="triangle"/>
+            <a:tailEnd type="triangle"/>
+          </a:ln>
+        </p:spPr>
+        <p:style>
+          <a:lnRef idx="3">
+            <a:schemeClr val="accent2"/>
+          </a:lnRef>
+          <a:fillRef idx="0">
+            <a:schemeClr val="accent2"/>
+          </a:fillRef>
+          <a:effectRef idx="2">
+            <a:schemeClr val="accent2"/>
+          </a:effectRef>
+          <a:fontRef idx="minor">
+            <a:schemeClr val="tx1"/>
+          </a:fontRef>
+        </p:style>
+      </p:cxnSp>
+      <p:cxnSp>
+        <p:nvCxnSpPr>
+          <p:cNvPr id="65" name="Straight Arrow Connector 64">
+            <a:extLst>
+              <a:ext uri="{FF2B5EF4-FFF2-40B4-BE49-F238E27FC236}">
+                <a16:creationId xmlns:a16="http://schemas.microsoft.com/office/drawing/2014/main" id="{C19E0BBB-967E-460F-BFA5-C0A3C3FBCAD2}"/>
+              </a:ext>
+            </a:extLst>
+          </p:cNvPr>
+          <p:cNvCxnSpPr>
+            <a:cxnSpLocks/>
+            <a:stCxn id="27" idx="2"/>
+            <a:endCxn id="54" idx="0"/>
+          </p:cNvCxnSpPr>
+          <p:nvPr/>
+        </p:nvCxnSpPr>
+        <p:spPr>
+          <a:xfrm>
+            <a:off x="9337297" y="4144162"/>
+            <a:ext cx="782449" cy="1040233"/>
+          </a:xfrm>
+          <a:prstGeom prst="straightConnector1">
+            <a:avLst/>
+          </a:prstGeom>
+          <a:ln>
+            <a:solidFill>
+              <a:srgbClr val="FF0000"/>
+            </a:solidFill>
+            <a:headEnd type="triangle"/>
+            <a:tailEnd type="triangle"/>
+          </a:ln>
+        </p:spPr>
+        <p:style>
+          <a:lnRef idx="3">
+            <a:schemeClr val="accent2"/>
+          </a:lnRef>
+          <a:fillRef idx="0">
+            <a:schemeClr val="accent2"/>
+          </a:fillRef>
+          <a:effectRef idx="2">
+            <a:schemeClr val="accent2"/>
+          </a:effectRef>
+          <a:fontRef idx="minor">
+            <a:schemeClr val="tx1"/>
+          </a:fontRef>
+        </p:style>
+      </p:cxnSp>
+      <p:sp>
+        <p:nvSpPr>
+          <p:cNvPr id="68" name="Cylinder 67">
+            <a:extLst>
+              <a:ext uri="{FF2B5EF4-FFF2-40B4-BE49-F238E27FC236}">
+                <a16:creationId xmlns:a16="http://schemas.microsoft.com/office/drawing/2014/main" id="{E60303C7-45A9-490B-A20A-F6502A53E9BE}"/>
+              </a:ext>
+            </a:extLst>
+          </p:cNvPr>
+          <p:cNvSpPr/>
+          <p:nvPr/>
+        </p:nvSpPr>
+        <p:spPr>
+          <a:xfrm>
+            <a:off x="2760326" y="5339591"/>
+            <a:ext cx="412459" cy="662730"/>
+          </a:xfrm>
+          <a:prstGeom prst="can">
+            <a:avLst/>
+          </a:prstGeom>
+        </p:spPr>
+        <p:style>
+          <a:lnRef idx="2">
+            <a:schemeClr val="accent2">
+              <a:shade val="50000"/>
+            </a:schemeClr>
+          </a:lnRef>
+          <a:fillRef idx="1">
+            <a:schemeClr val="accent2"/>
+          </a:fillRef>
+          <a:effectRef idx="0">
+            <a:schemeClr val="accent2"/>
+          </a:effectRef>
+          <a:fontRef idx="minor">
+            <a:schemeClr val="lt1"/>
+          </a:fontRef>
+        </p:style>
+        <p:txBody>
+          <a:bodyPr rtlCol="0" anchor="ctr"/>
+          <a:lstStyle/>
+          <a:p>
+            <a:pPr algn="ctr"/>
+            <a:endParaRPr lang="en-IN" dirty="0"/>
+          </a:p>
+        </p:txBody>
+      </p:sp>
+      <p:sp>
+        <p:nvSpPr>
+          <p:cNvPr id="70" name="Cylinder 69">
+            <a:extLst>
+              <a:ext uri="{FF2B5EF4-FFF2-40B4-BE49-F238E27FC236}">
+                <a16:creationId xmlns:a16="http://schemas.microsoft.com/office/drawing/2014/main" id="{2121D4DB-7C1F-4671-AB43-50783CF08096}"/>
+              </a:ext>
+            </a:extLst>
+          </p:cNvPr>
+          <p:cNvSpPr/>
+          <p:nvPr/>
+        </p:nvSpPr>
+        <p:spPr>
+          <a:xfrm>
+            <a:off x="7985964" y="5339593"/>
+            <a:ext cx="412459" cy="662730"/>
+          </a:xfrm>
+          <a:prstGeom prst="can">
+            <a:avLst/>
+          </a:prstGeom>
+        </p:spPr>
+        <p:style>
+          <a:lnRef idx="2">
+            <a:schemeClr val="accent2">
+              <a:shade val="50000"/>
+            </a:schemeClr>
+          </a:lnRef>
+          <a:fillRef idx="1">
+            <a:schemeClr val="accent2"/>
+          </a:fillRef>
+          <a:effectRef idx="0">
+            <a:schemeClr val="accent2"/>
+          </a:effectRef>
+          <a:fontRef idx="minor">
+            <a:schemeClr val="lt1"/>
+          </a:fontRef>
+        </p:style>
+        <p:txBody>
+          <a:bodyPr rtlCol="0" anchor="ctr"/>
+          <a:lstStyle/>
+          <a:p>
+            <a:pPr algn="ctr"/>
+            <a:endParaRPr lang="en-IN" dirty="0"/>
+          </a:p>
+        </p:txBody>
+      </p:sp>
+      <p:sp>
+        <p:nvSpPr>
+          <p:cNvPr id="71" name="Cylinder 70">
+            <a:extLst>
+              <a:ext uri="{FF2B5EF4-FFF2-40B4-BE49-F238E27FC236}">
+                <a16:creationId xmlns:a16="http://schemas.microsoft.com/office/drawing/2014/main" id="{278EF036-D70C-491F-A544-759AA54CF980}"/>
+              </a:ext>
+            </a:extLst>
+          </p:cNvPr>
+          <p:cNvSpPr/>
+          <p:nvPr/>
+        </p:nvSpPr>
+        <p:spPr>
+          <a:xfrm>
+            <a:off x="5357769" y="5339591"/>
+            <a:ext cx="412459" cy="662730"/>
+          </a:xfrm>
+          <a:prstGeom prst="can">
+            <a:avLst/>
+          </a:prstGeom>
+        </p:spPr>
+        <p:style>
+          <a:lnRef idx="2">
+            <a:schemeClr val="accent2">
+              <a:shade val="50000"/>
+            </a:schemeClr>
+          </a:lnRef>
+          <a:fillRef idx="1">
+            <a:schemeClr val="accent2"/>
+          </a:fillRef>
+          <a:effectRef idx="0">
+            <a:schemeClr val="accent2"/>
+          </a:effectRef>
+          <a:fontRef idx="minor">
+            <a:schemeClr val="lt1"/>
+          </a:fontRef>
+        </p:style>
+        <p:txBody>
+          <a:bodyPr rtlCol="0" anchor="ctr"/>
+          <a:lstStyle/>
+          <a:p>
+            <a:pPr algn="ctr"/>
+            <a:endParaRPr lang="en-IN" dirty="0"/>
+          </a:p>
+        </p:txBody>
+      </p:sp>
+      <p:sp>
+        <p:nvSpPr>
+          <p:cNvPr id="72" name="Cylinder 71">
+            <a:extLst>
+              <a:ext uri="{FF2B5EF4-FFF2-40B4-BE49-F238E27FC236}">
+                <a16:creationId xmlns:a16="http://schemas.microsoft.com/office/drawing/2014/main" id="{093FBED1-91F0-4D1C-8BF6-451806A8DD69}"/>
+              </a:ext>
+            </a:extLst>
+          </p:cNvPr>
+          <p:cNvSpPr/>
+          <p:nvPr/>
+        </p:nvSpPr>
+        <p:spPr>
+          <a:xfrm>
+            <a:off x="10535698" y="5339591"/>
+            <a:ext cx="412459" cy="662730"/>
+          </a:xfrm>
+          <a:prstGeom prst="can">
+            <a:avLst/>
+          </a:prstGeom>
+        </p:spPr>
+        <p:style>
+          <a:lnRef idx="2">
+            <a:schemeClr val="accent2">
+              <a:shade val="50000"/>
+            </a:schemeClr>
+          </a:lnRef>
+          <a:fillRef idx="1">
+            <a:schemeClr val="accent2"/>
+          </a:fillRef>
+          <a:effectRef idx="0">
+            <a:schemeClr val="accent2"/>
+          </a:effectRef>
+          <a:fontRef idx="minor">
+            <a:schemeClr val="lt1"/>
+          </a:fontRef>
+        </p:style>
+        <p:txBody>
+          <a:bodyPr rtlCol="0" anchor="ctr"/>
+          <a:lstStyle/>
+          <a:p>
+            <a:pPr algn="ctr"/>
+            <a:endParaRPr lang="en-IN" dirty="0"/>
+          </a:p>
+        </p:txBody>
+      </p:sp>
+      <p:sp>
+        <p:nvSpPr>
+          <p:cNvPr id="73" name="Rectangle 72">
+            <a:extLst>
+              <a:ext uri="{FF2B5EF4-FFF2-40B4-BE49-F238E27FC236}">
+                <a16:creationId xmlns:a16="http://schemas.microsoft.com/office/drawing/2014/main" id="{175E01F3-C62F-4DB4-9FF3-5FFF3ED3BE4D}"/>
+              </a:ext>
+            </a:extLst>
+          </p:cNvPr>
+          <p:cNvSpPr/>
+          <p:nvPr/>
+        </p:nvSpPr>
+        <p:spPr>
+          <a:xfrm>
+            <a:off x="7300519" y="5356368"/>
+            <a:ext cx="492154" cy="629176"/>
+          </a:xfrm>
+          <a:prstGeom prst="rect">
+            <a:avLst/>
+          </a:prstGeom>
+        </p:spPr>
+        <p:style>
+          <a:lnRef idx="2">
+            <a:schemeClr val="accent4">
+              <a:shade val="50000"/>
+            </a:schemeClr>
+          </a:lnRef>
+          <a:fillRef idx="1">
+            <a:schemeClr val="accent4"/>
+          </a:fillRef>
+          <a:effectRef idx="0">
+            <a:schemeClr val="accent4"/>
+          </a:effectRef>
+          <a:fontRef idx="minor">
+            <a:schemeClr val="lt1"/>
+          </a:fontRef>
+        </p:style>
+        <p:txBody>
+          <a:bodyPr rtlCol="0" anchor="ctr"/>
+          <a:lstStyle/>
+          <a:p>
+            <a:pPr algn="ctr"/>
+            <a:endParaRPr lang="en-IN" dirty="0"/>
+          </a:p>
+        </p:txBody>
+      </p:sp>
+      <p:sp>
+        <p:nvSpPr>
+          <p:cNvPr id="74" name="Rectangle 73">
+            <a:extLst>
+              <a:ext uri="{FF2B5EF4-FFF2-40B4-BE49-F238E27FC236}">
+                <a16:creationId xmlns:a16="http://schemas.microsoft.com/office/drawing/2014/main" id="{376EC46B-348F-4052-A900-A8368498182F}"/>
+              </a:ext>
+            </a:extLst>
+          </p:cNvPr>
+          <p:cNvSpPr/>
+          <p:nvPr/>
+        </p:nvSpPr>
+        <p:spPr>
+          <a:xfrm>
+            <a:off x="2102094" y="5350080"/>
+            <a:ext cx="492154" cy="629176"/>
+          </a:xfrm>
+          <a:prstGeom prst="rect">
+            <a:avLst/>
+          </a:prstGeom>
+        </p:spPr>
+        <p:style>
+          <a:lnRef idx="2">
+            <a:schemeClr val="accent4">
+              <a:shade val="50000"/>
+            </a:schemeClr>
+          </a:lnRef>
+          <a:fillRef idx="1">
+            <a:schemeClr val="accent4"/>
+          </a:fillRef>
+          <a:effectRef idx="0">
+            <a:schemeClr val="accent4"/>
+          </a:effectRef>
+          <a:fontRef idx="minor">
+            <a:schemeClr val="lt1"/>
+          </a:fontRef>
+        </p:style>
+        <p:txBody>
+          <a:bodyPr rtlCol="0" anchor="ctr"/>
+          <a:lstStyle/>
+          <a:p>
+            <a:pPr algn="ctr"/>
+            <a:endParaRPr lang="en-IN" dirty="0"/>
+          </a:p>
+        </p:txBody>
+      </p:sp>
+      <p:sp>
+        <p:nvSpPr>
+          <p:cNvPr id="75" name="Rectangle 74">
+            <a:extLst>
+              <a:ext uri="{FF2B5EF4-FFF2-40B4-BE49-F238E27FC236}">
+                <a16:creationId xmlns:a16="http://schemas.microsoft.com/office/drawing/2014/main" id="{282DAAD5-5381-46CC-8D41-0B04017BFEC8}"/>
+              </a:ext>
+            </a:extLst>
+          </p:cNvPr>
+          <p:cNvSpPr/>
+          <p:nvPr/>
+        </p:nvSpPr>
+        <p:spPr>
+          <a:xfrm>
+            <a:off x="9871570" y="5354273"/>
+            <a:ext cx="492154" cy="629176"/>
+          </a:xfrm>
+          <a:prstGeom prst="rect">
+            <a:avLst/>
+          </a:prstGeom>
+        </p:spPr>
+        <p:style>
+          <a:lnRef idx="2">
+            <a:schemeClr val="accent4">
+              <a:shade val="50000"/>
+            </a:schemeClr>
+          </a:lnRef>
+          <a:fillRef idx="1">
+            <a:schemeClr val="accent4"/>
+          </a:fillRef>
+          <a:effectRef idx="0">
+            <a:schemeClr val="accent4"/>
+          </a:effectRef>
+          <a:fontRef idx="minor">
+            <a:schemeClr val="lt1"/>
+          </a:fontRef>
+        </p:style>
+        <p:txBody>
+          <a:bodyPr rtlCol="0" anchor="ctr"/>
+          <a:lstStyle/>
+          <a:p>
+            <a:pPr algn="ctr"/>
+            <a:endParaRPr lang="en-IN" dirty="0"/>
+          </a:p>
+        </p:txBody>
+      </p:sp>
+      <p:sp>
+        <p:nvSpPr>
+          <p:cNvPr id="76" name="Rectangle 75">
+            <a:extLst>
+              <a:ext uri="{FF2B5EF4-FFF2-40B4-BE49-F238E27FC236}">
+                <a16:creationId xmlns:a16="http://schemas.microsoft.com/office/drawing/2014/main" id="{2165CF47-7C0F-42CA-B0BE-847D201138D6}"/>
+              </a:ext>
+            </a:extLst>
+          </p:cNvPr>
+          <p:cNvSpPr/>
+          <p:nvPr/>
+        </p:nvSpPr>
+        <p:spPr>
+          <a:xfrm>
+            <a:off x="4680013" y="5354273"/>
+            <a:ext cx="492154" cy="629176"/>
+          </a:xfrm>
+          <a:prstGeom prst="rect">
+            <a:avLst/>
+          </a:prstGeom>
+        </p:spPr>
+        <p:style>
+          <a:lnRef idx="2">
+            <a:schemeClr val="accent4">
+              <a:shade val="50000"/>
+            </a:schemeClr>
+          </a:lnRef>
+          <a:fillRef idx="1">
+            <a:schemeClr val="accent4"/>
+          </a:fillRef>
+          <a:effectRef idx="0">
+            <a:schemeClr val="accent4"/>
+          </a:effectRef>
+          <a:fontRef idx="minor">
+            <a:schemeClr val="lt1"/>
+          </a:fontRef>
+        </p:style>
+        <p:txBody>
+          <a:bodyPr rtlCol="0" anchor="ctr"/>
+          <a:lstStyle/>
+          <a:p>
+            <a:pPr algn="ctr"/>
+            <a:endParaRPr lang="en-IN" dirty="0"/>
+          </a:p>
+        </p:txBody>
+      </p:sp>
+      <p:sp>
+        <p:nvSpPr>
+          <p:cNvPr id="77" name="Rectangle 76">
+            <a:extLst>
+              <a:ext uri="{FF2B5EF4-FFF2-40B4-BE49-F238E27FC236}">
+                <a16:creationId xmlns:a16="http://schemas.microsoft.com/office/drawing/2014/main" id="{76F09D76-EBEE-4A76-9DA4-EC7BE9FCDCA8}"/>
+              </a:ext>
+            </a:extLst>
+          </p:cNvPr>
+          <p:cNvSpPr/>
+          <p:nvPr/>
+        </p:nvSpPr>
+        <p:spPr>
+          <a:xfrm>
+            <a:off x="1391350" y="5350080"/>
+            <a:ext cx="492154" cy="599816"/>
+          </a:xfrm>
+          <a:prstGeom prst="rect">
+            <a:avLst/>
+          </a:prstGeom>
+        </p:spPr>
+        <p:style>
+          <a:lnRef idx="2">
+            <a:schemeClr val="accent3">
+              <a:shade val="50000"/>
+            </a:schemeClr>
+          </a:lnRef>
+          <a:fillRef idx="1">
+            <a:schemeClr val="accent3"/>
+          </a:fillRef>
+          <a:effectRef idx="0">
+            <a:schemeClr val="accent3"/>
+          </a:effectRef>
+          <a:fontRef idx="minor">
+            <a:schemeClr val="lt1"/>
+          </a:fontRef>
+        </p:style>
+        <p:txBody>
+          <a:bodyPr rtlCol="0" anchor="ctr"/>
+          <a:lstStyle/>
+          <a:p>
+            <a:pPr algn="ctr"/>
+            <a:endParaRPr lang="en-IN"/>
+          </a:p>
+        </p:txBody>
+      </p:sp>
+      <p:sp>
+        <p:nvSpPr>
+          <p:cNvPr id="78" name="Rectangle 77">
+            <a:extLst>
+              <a:ext uri="{FF2B5EF4-FFF2-40B4-BE49-F238E27FC236}">
+                <a16:creationId xmlns:a16="http://schemas.microsoft.com/office/drawing/2014/main" id="{81912F9A-0558-4490-8B02-75FF83D6010A}"/>
+              </a:ext>
+            </a:extLst>
+          </p:cNvPr>
+          <p:cNvSpPr/>
+          <p:nvPr/>
+        </p:nvSpPr>
+        <p:spPr>
+          <a:xfrm>
+            <a:off x="3994568" y="5364760"/>
+            <a:ext cx="492154" cy="599816"/>
+          </a:xfrm>
+          <a:prstGeom prst="rect">
+            <a:avLst/>
+          </a:prstGeom>
+        </p:spPr>
+        <p:style>
+          <a:lnRef idx="2">
+            <a:schemeClr val="accent3">
+              <a:shade val="50000"/>
+            </a:schemeClr>
+          </a:lnRef>
+          <a:fillRef idx="1">
+            <a:schemeClr val="accent3"/>
+          </a:fillRef>
+          <a:effectRef idx="0">
+            <a:schemeClr val="accent3"/>
+          </a:effectRef>
+          <a:fontRef idx="minor">
+            <a:schemeClr val="lt1"/>
+          </a:fontRef>
+        </p:style>
+        <p:txBody>
+          <a:bodyPr rtlCol="0" anchor="ctr"/>
+          <a:lstStyle/>
+          <a:p>
+            <a:pPr algn="ctr"/>
+            <a:endParaRPr lang="en-IN"/>
+          </a:p>
+        </p:txBody>
+      </p:sp>
+      <p:sp>
+        <p:nvSpPr>
+          <p:cNvPr id="79" name="Rectangle 78">
+            <a:extLst>
+              <a:ext uri="{FF2B5EF4-FFF2-40B4-BE49-F238E27FC236}">
+                <a16:creationId xmlns:a16="http://schemas.microsoft.com/office/drawing/2014/main" id="{5D0DAD2A-07B3-4F3B-86F7-C8912299F005}"/>
+              </a:ext>
+            </a:extLst>
+          </p:cNvPr>
+          <p:cNvSpPr/>
+          <p:nvPr/>
+        </p:nvSpPr>
+        <p:spPr>
+          <a:xfrm>
+            <a:off x="6636391" y="5350080"/>
+            <a:ext cx="492154" cy="599816"/>
+          </a:xfrm>
+          <a:prstGeom prst="rect">
+            <a:avLst/>
+          </a:prstGeom>
+        </p:spPr>
+        <p:style>
+          <a:lnRef idx="2">
+            <a:schemeClr val="accent3">
+              <a:shade val="50000"/>
+            </a:schemeClr>
+          </a:lnRef>
+          <a:fillRef idx="1">
+            <a:schemeClr val="accent3"/>
+          </a:fillRef>
+          <a:effectRef idx="0">
+            <a:schemeClr val="accent3"/>
+          </a:effectRef>
+          <a:fontRef idx="minor">
+            <a:schemeClr val="lt1"/>
+          </a:fontRef>
+        </p:style>
+        <p:txBody>
+          <a:bodyPr rtlCol="0" anchor="ctr"/>
+          <a:lstStyle/>
+          <a:p>
+            <a:pPr algn="ctr"/>
+            <a:endParaRPr lang="en-IN"/>
+          </a:p>
+        </p:txBody>
+      </p:sp>
+      <p:sp>
+        <p:nvSpPr>
+          <p:cNvPr id="80" name="Rectangle 79">
+            <a:extLst>
+              <a:ext uri="{FF2B5EF4-FFF2-40B4-BE49-F238E27FC236}">
+                <a16:creationId xmlns:a16="http://schemas.microsoft.com/office/drawing/2014/main" id="{44DE1BA4-26D6-43A6-AFA6-7EF436374F34}"/>
+              </a:ext>
+            </a:extLst>
+          </p:cNvPr>
+          <p:cNvSpPr/>
+          <p:nvPr/>
+        </p:nvSpPr>
+        <p:spPr>
+          <a:xfrm>
+            <a:off x="9208576" y="5364760"/>
+            <a:ext cx="492154" cy="599816"/>
+          </a:xfrm>
+          <a:prstGeom prst="rect">
+            <a:avLst/>
+          </a:prstGeom>
+        </p:spPr>
+        <p:style>
+          <a:lnRef idx="2">
+            <a:schemeClr val="accent3">
+              <a:shade val="50000"/>
+            </a:schemeClr>
+          </a:lnRef>
+          <a:fillRef idx="1">
+            <a:schemeClr val="accent3"/>
+          </a:fillRef>
+          <a:effectRef idx="0">
+            <a:schemeClr val="accent3"/>
+          </a:effectRef>
+          <a:fontRef idx="minor">
+            <a:schemeClr val="lt1"/>
+          </a:fontRef>
+        </p:style>
+        <p:txBody>
+          <a:bodyPr rtlCol="0" anchor="ctr"/>
+          <a:lstStyle/>
+          <a:p>
+            <a:pPr algn="ctr"/>
+            <a:endParaRPr lang="en-IN"/>
+          </a:p>
+        </p:txBody>
+      </p:sp>
+      <p:sp>
+        <p:nvSpPr>
+          <p:cNvPr id="81" name="TextBox 80">
+            <a:extLst>
+              <a:ext uri="{FF2B5EF4-FFF2-40B4-BE49-F238E27FC236}">
+                <a16:creationId xmlns:a16="http://schemas.microsoft.com/office/drawing/2014/main" id="{5A05DD02-AAB1-4A51-8D3D-3EEC671F2B58}"/>
+              </a:ext>
+            </a:extLst>
+          </p:cNvPr>
+          <p:cNvSpPr txBox="1"/>
+          <p:nvPr/>
+        </p:nvSpPr>
+        <p:spPr>
+          <a:xfrm>
+            <a:off x="1670345" y="731404"/>
+            <a:ext cx="1690384" cy="307777"/>
+          </a:xfrm>
+          <a:prstGeom prst="rect">
+            <a:avLst/>
+          </a:prstGeom>
+          <a:noFill/>
+        </p:spPr>
+        <p:txBody>
+          <a:bodyPr wrap="square" rtlCol="0">
+            <a:spAutoFit/>
+          </a:bodyPr>
+          <a:lstStyle/>
+          <a:p>
+            <a:r>
+              <a:rPr lang="en-IN" sz="1400" dirty="0"/>
+              <a:t>Cloud </a:t>
+            </a:r>
+            <a:r>
+              <a:rPr lang="en-IN" sz="1400" dirty="0" err="1"/>
+              <a:t>GoDB</a:t>
+            </a:r>
+            <a:r>
+              <a:rPr lang="en-IN" sz="1400" dirty="0"/>
+              <a:t> Worker</a:t>
+            </a:r>
+          </a:p>
+        </p:txBody>
+      </p:sp>
+      <p:sp>
+        <p:nvSpPr>
+          <p:cNvPr id="84" name="TextBox 83">
+            <a:extLst>
+              <a:ext uri="{FF2B5EF4-FFF2-40B4-BE49-F238E27FC236}">
+                <a16:creationId xmlns:a16="http://schemas.microsoft.com/office/drawing/2014/main" id="{7BC0759B-ED52-46A4-A967-60EF0A0AAED1}"/>
+              </a:ext>
+            </a:extLst>
+          </p:cNvPr>
+          <p:cNvSpPr txBox="1"/>
+          <p:nvPr/>
+        </p:nvSpPr>
+        <p:spPr>
+          <a:xfrm>
+            <a:off x="5410199" y="733502"/>
+            <a:ext cx="1595308" cy="307777"/>
+          </a:xfrm>
+          <a:prstGeom prst="rect">
+            <a:avLst/>
+          </a:prstGeom>
+          <a:noFill/>
+        </p:spPr>
+        <p:txBody>
+          <a:bodyPr wrap="square" rtlCol="0">
+            <a:spAutoFit/>
+          </a:bodyPr>
+          <a:lstStyle/>
+          <a:p>
+            <a:r>
+              <a:rPr lang="en-IN" sz="1400" dirty="0"/>
+              <a:t>Cloud </a:t>
+            </a:r>
+            <a:r>
+              <a:rPr lang="en-IN" sz="1400" dirty="0" err="1"/>
+              <a:t>GoDB</a:t>
+            </a:r>
+            <a:r>
+              <a:rPr lang="en-IN" sz="1400" dirty="0"/>
+              <a:t> Head</a:t>
+            </a:r>
+          </a:p>
+        </p:txBody>
+      </p:sp>
+      <p:sp>
+        <p:nvSpPr>
+          <p:cNvPr id="85" name="TextBox 84">
+            <a:extLst>
+              <a:ext uri="{FF2B5EF4-FFF2-40B4-BE49-F238E27FC236}">
+                <a16:creationId xmlns:a16="http://schemas.microsoft.com/office/drawing/2014/main" id="{B8B4004C-F0E1-4268-B42E-04AC7C97F1DC}"/>
+              </a:ext>
+            </a:extLst>
+          </p:cNvPr>
+          <p:cNvSpPr txBox="1"/>
+          <p:nvPr/>
+        </p:nvSpPr>
+        <p:spPr>
+          <a:xfrm>
+            <a:off x="9169341" y="731405"/>
+            <a:ext cx="1723588" cy="307777"/>
+          </a:xfrm>
+          <a:prstGeom prst="rect">
+            <a:avLst/>
+          </a:prstGeom>
+          <a:noFill/>
+        </p:spPr>
+        <p:txBody>
+          <a:bodyPr wrap="square" rtlCol="0">
+            <a:spAutoFit/>
+          </a:bodyPr>
+          <a:lstStyle/>
+          <a:p>
+            <a:r>
+              <a:rPr lang="en-IN" sz="1400" dirty="0"/>
+              <a:t>Cloud </a:t>
+            </a:r>
+            <a:r>
+              <a:rPr lang="en-IN" sz="1400" dirty="0" err="1"/>
+              <a:t>GoDB</a:t>
+            </a:r>
+            <a:r>
+              <a:rPr lang="en-IN" sz="1400" dirty="0"/>
+              <a:t> Worker</a:t>
+            </a:r>
+          </a:p>
+        </p:txBody>
+      </p:sp>
+      <p:sp>
+        <p:nvSpPr>
+          <p:cNvPr id="86" name="TextBox 85">
+            <a:extLst>
+              <a:ext uri="{FF2B5EF4-FFF2-40B4-BE49-F238E27FC236}">
+                <a16:creationId xmlns:a16="http://schemas.microsoft.com/office/drawing/2014/main" id="{1386E729-7AFD-433B-9983-A27EB703FF48}"/>
+              </a:ext>
+            </a:extLst>
+          </p:cNvPr>
+          <p:cNvSpPr txBox="1"/>
+          <p:nvPr/>
+        </p:nvSpPr>
+        <p:spPr>
+          <a:xfrm>
+            <a:off x="2242834" y="1220995"/>
+            <a:ext cx="369332" cy="669020"/>
+          </a:xfrm>
+          <a:prstGeom prst="rect">
+            <a:avLst/>
+          </a:prstGeom>
+          <a:noFill/>
+        </p:spPr>
+        <p:txBody>
+          <a:bodyPr vert="vert270" wrap="square" rtlCol="0">
+            <a:spAutoFit/>
+          </a:bodyPr>
+          <a:lstStyle/>
+          <a:p>
+            <a:r>
+              <a:rPr lang="en-IN" sz="1200" dirty="0"/>
+              <a:t>WORKER</a:t>
+            </a:r>
+          </a:p>
+        </p:txBody>
+      </p:sp>
+      <p:sp>
+        <p:nvSpPr>
+          <p:cNvPr id="87" name="TextBox 86">
+            <a:extLst>
+              <a:ext uri="{FF2B5EF4-FFF2-40B4-BE49-F238E27FC236}">
+                <a16:creationId xmlns:a16="http://schemas.microsoft.com/office/drawing/2014/main" id="{6507B027-F2C4-4CDD-8722-D5A1FFD23899}"/>
+              </a:ext>
+            </a:extLst>
+          </p:cNvPr>
+          <p:cNvSpPr txBox="1"/>
+          <p:nvPr/>
+        </p:nvSpPr>
+        <p:spPr>
+          <a:xfrm>
+            <a:off x="9932981" y="5331996"/>
+            <a:ext cx="369332" cy="669020"/>
+          </a:xfrm>
+          <a:prstGeom prst="rect">
+            <a:avLst/>
+          </a:prstGeom>
+          <a:noFill/>
+        </p:spPr>
+        <p:txBody>
+          <a:bodyPr vert="vert270" wrap="square" rtlCol="0">
+            <a:spAutoFit/>
+          </a:bodyPr>
+          <a:lstStyle/>
+          <a:p>
+            <a:r>
+              <a:rPr lang="en-IN" sz="1200" dirty="0"/>
+              <a:t>WORKER</a:t>
+            </a:r>
+          </a:p>
+        </p:txBody>
+      </p:sp>
+      <p:sp>
+        <p:nvSpPr>
+          <p:cNvPr id="88" name="TextBox 87">
+            <a:extLst>
+              <a:ext uri="{FF2B5EF4-FFF2-40B4-BE49-F238E27FC236}">
+                <a16:creationId xmlns:a16="http://schemas.microsoft.com/office/drawing/2014/main" id="{015D83E2-90E6-469C-AE87-AF400616FD64}"/>
+              </a:ext>
+            </a:extLst>
+          </p:cNvPr>
+          <p:cNvSpPr txBox="1"/>
+          <p:nvPr/>
+        </p:nvSpPr>
+        <p:spPr>
+          <a:xfrm>
+            <a:off x="7352456" y="5326758"/>
+            <a:ext cx="369332" cy="669020"/>
+          </a:xfrm>
+          <a:prstGeom prst="rect">
+            <a:avLst/>
+          </a:prstGeom>
+          <a:noFill/>
+        </p:spPr>
+        <p:txBody>
+          <a:bodyPr vert="vert270" wrap="square" rtlCol="0">
+            <a:spAutoFit/>
+          </a:bodyPr>
+          <a:lstStyle/>
+          <a:p>
+            <a:r>
+              <a:rPr lang="en-IN" sz="1200" dirty="0"/>
+              <a:t>WORKER</a:t>
+            </a:r>
+          </a:p>
+        </p:txBody>
+      </p:sp>
+      <p:sp>
+        <p:nvSpPr>
+          <p:cNvPr id="89" name="TextBox 88">
+            <a:extLst>
+              <a:ext uri="{FF2B5EF4-FFF2-40B4-BE49-F238E27FC236}">
+                <a16:creationId xmlns:a16="http://schemas.microsoft.com/office/drawing/2014/main" id="{161C33E1-E803-429C-AABE-C8898E44A1AB}"/>
+              </a:ext>
+            </a:extLst>
+          </p:cNvPr>
+          <p:cNvSpPr txBox="1"/>
+          <p:nvPr/>
+        </p:nvSpPr>
+        <p:spPr>
+          <a:xfrm>
+            <a:off x="4730109" y="5321770"/>
+            <a:ext cx="369332" cy="669020"/>
+          </a:xfrm>
+          <a:prstGeom prst="rect">
+            <a:avLst/>
+          </a:prstGeom>
+          <a:noFill/>
+        </p:spPr>
+        <p:txBody>
+          <a:bodyPr vert="vert270" wrap="square" rtlCol="0">
+            <a:spAutoFit/>
+          </a:bodyPr>
+          <a:lstStyle/>
+          <a:p>
+            <a:r>
+              <a:rPr lang="en-IN" sz="1200" dirty="0"/>
+              <a:t>WORKER</a:t>
+            </a:r>
+          </a:p>
+        </p:txBody>
+      </p:sp>
+      <p:sp>
+        <p:nvSpPr>
+          <p:cNvPr id="90" name="TextBox 89">
+            <a:extLst>
+              <a:ext uri="{FF2B5EF4-FFF2-40B4-BE49-F238E27FC236}">
+                <a16:creationId xmlns:a16="http://schemas.microsoft.com/office/drawing/2014/main" id="{5C8D938A-2336-46D5-9BB1-BA5105C2A0B6}"/>
+              </a:ext>
+            </a:extLst>
+          </p:cNvPr>
+          <p:cNvSpPr txBox="1"/>
+          <p:nvPr/>
+        </p:nvSpPr>
+        <p:spPr>
+          <a:xfrm>
+            <a:off x="9792965" y="1176559"/>
+            <a:ext cx="369332" cy="669020"/>
+          </a:xfrm>
+          <a:prstGeom prst="rect">
+            <a:avLst/>
+          </a:prstGeom>
+          <a:noFill/>
+        </p:spPr>
+        <p:txBody>
+          <a:bodyPr vert="vert270" wrap="square" rtlCol="0">
+            <a:spAutoFit/>
+          </a:bodyPr>
+          <a:lstStyle/>
+          <a:p>
+            <a:r>
+              <a:rPr lang="en-IN" sz="1200" dirty="0"/>
+              <a:t>WORKER</a:t>
+            </a:r>
+          </a:p>
+        </p:txBody>
+      </p:sp>
+      <p:sp>
+        <p:nvSpPr>
+          <p:cNvPr id="91" name="TextBox 90">
+            <a:extLst>
+              <a:ext uri="{FF2B5EF4-FFF2-40B4-BE49-F238E27FC236}">
+                <a16:creationId xmlns:a16="http://schemas.microsoft.com/office/drawing/2014/main" id="{7146AE95-0EEE-4328-9150-90CAA004E53E}"/>
+              </a:ext>
+            </a:extLst>
+          </p:cNvPr>
+          <p:cNvSpPr txBox="1"/>
+          <p:nvPr/>
+        </p:nvSpPr>
+        <p:spPr>
+          <a:xfrm>
+            <a:off x="6151494" y="1220995"/>
+            <a:ext cx="369332" cy="669020"/>
+          </a:xfrm>
+          <a:prstGeom prst="rect">
+            <a:avLst/>
+          </a:prstGeom>
+          <a:noFill/>
+        </p:spPr>
+        <p:txBody>
+          <a:bodyPr vert="vert270" wrap="square" rtlCol="0">
+            <a:spAutoFit/>
+          </a:bodyPr>
+          <a:lstStyle/>
+          <a:p>
+            <a:r>
+              <a:rPr lang="en-IN" sz="1200" dirty="0"/>
+              <a:t>WORKER</a:t>
+            </a:r>
+          </a:p>
+        </p:txBody>
+      </p:sp>
+      <p:sp>
+        <p:nvSpPr>
+          <p:cNvPr id="92" name="TextBox 91">
+            <a:extLst>
+              <a:ext uri="{FF2B5EF4-FFF2-40B4-BE49-F238E27FC236}">
+                <a16:creationId xmlns:a16="http://schemas.microsoft.com/office/drawing/2014/main" id="{2E52F752-C592-4794-9EB3-78543304F807}"/>
+              </a:ext>
+            </a:extLst>
+          </p:cNvPr>
+          <p:cNvSpPr txBox="1"/>
+          <p:nvPr/>
+        </p:nvSpPr>
+        <p:spPr>
+          <a:xfrm>
+            <a:off x="2157784" y="5330158"/>
+            <a:ext cx="369332" cy="669020"/>
+          </a:xfrm>
+          <a:prstGeom prst="rect">
+            <a:avLst/>
+          </a:prstGeom>
+          <a:noFill/>
+        </p:spPr>
+        <p:txBody>
+          <a:bodyPr vert="vert270" wrap="square" rtlCol="0">
+            <a:spAutoFit/>
+          </a:bodyPr>
+          <a:lstStyle/>
+          <a:p>
+            <a:r>
+              <a:rPr lang="en-IN" sz="1200" dirty="0"/>
+              <a:t>WORKER</a:t>
+            </a:r>
+          </a:p>
+        </p:txBody>
+      </p:sp>
+      <p:sp>
+        <p:nvSpPr>
+          <p:cNvPr id="93" name="TextBox 92">
+            <a:extLst>
+              <a:ext uri="{FF2B5EF4-FFF2-40B4-BE49-F238E27FC236}">
+                <a16:creationId xmlns:a16="http://schemas.microsoft.com/office/drawing/2014/main" id="{70343195-AD18-4F24-9CD3-97E54AD12929}"/>
+              </a:ext>
+            </a:extLst>
+          </p:cNvPr>
+          <p:cNvSpPr txBox="1"/>
+          <p:nvPr/>
+        </p:nvSpPr>
+        <p:spPr>
+          <a:xfrm>
+            <a:off x="3771212" y="3395335"/>
+            <a:ext cx="807090" cy="369332"/>
+          </a:xfrm>
+          <a:prstGeom prst="rect">
+            <a:avLst/>
+          </a:prstGeom>
+          <a:noFill/>
+        </p:spPr>
+        <p:txBody>
+          <a:bodyPr wrap="square" rtlCol="0">
+            <a:spAutoFit/>
+          </a:bodyPr>
+          <a:lstStyle/>
+          <a:p>
+            <a:r>
+              <a:rPr lang="en-IN" dirty="0"/>
+              <a:t>Cache </a:t>
+            </a:r>
+          </a:p>
+        </p:txBody>
+      </p:sp>
+      <p:sp>
+        <p:nvSpPr>
+          <p:cNvPr id="94" name="TextBox 93">
+            <a:extLst>
+              <a:ext uri="{FF2B5EF4-FFF2-40B4-BE49-F238E27FC236}">
+                <a16:creationId xmlns:a16="http://schemas.microsoft.com/office/drawing/2014/main" id="{A8869C03-BD9E-4D60-8D7F-8C714AE2FAF3}"/>
+              </a:ext>
+            </a:extLst>
+          </p:cNvPr>
+          <p:cNvSpPr txBox="1"/>
+          <p:nvPr/>
+        </p:nvSpPr>
+        <p:spPr>
+          <a:xfrm>
+            <a:off x="9871568" y="3405820"/>
+            <a:ext cx="807090" cy="369332"/>
+          </a:xfrm>
+          <a:prstGeom prst="rect">
+            <a:avLst/>
+          </a:prstGeom>
+          <a:noFill/>
+        </p:spPr>
+        <p:txBody>
+          <a:bodyPr wrap="square" rtlCol="0">
+            <a:spAutoFit/>
+          </a:bodyPr>
+          <a:lstStyle/>
+          <a:p>
+            <a:r>
+              <a:rPr lang="en-IN" dirty="0"/>
+              <a:t>Cache </a:t>
+            </a:r>
+          </a:p>
+        </p:txBody>
+      </p:sp>
+      <p:sp>
+        <p:nvSpPr>
+          <p:cNvPr id="95" name="TextBox 94">
+            <a:extLst>
+              <a:ext uri="{FF2B5EF4-FFF2-40B4-BE49-F238E27FC236}">
+                <a16:creationId xmlns:a16="http://schemas.microsoft.com/office/drawing/2014/main" id="{C10C9F6B-6F0C-498B-82FB-CF10C0613CCE}"/>
+              </a:ext>
+            </a:extLst>
+          </p:cNvPr>
+          <p:cNvSpPr txBox="1"/>
+          <p:nvPr/>
+        </p:nvSpPr>
+        <p:spPr>
+          <a:xfrm>
+            <a:off x="2991397" y="1194385"/>
+            <a:ext cx="369332" cy="706766"/>
+          </a:xfrm>
+          <a:prstGeom prst="rect">
+            <a:avLst/>
+          </a:prstGeom>
+          <a:noFill/>
+        </p:spPr>
+        <p:txBody>
+          <a:bodyPr vert="vert270" wrap="square" rtlCol="0">
+            <a:spAutoFit/>
+          </a:bodyPr>
+          <a:lstStyle/>
+          <a:p>
+            <a:r>
+              <a:rPr lang="en-IN" sz="1200" dirty="0"/>
+              <a:t>G. DATA</a:t>
+            </a:r>
+          </a:p>
+        </p:txBody>
+      </p:sp>
+      <p:sp>
+        <p:nvSpPr>
+          <p:cNvPr id="97" name="TextBox 96">
+            <a:extLst>
+              <a:ext uri="{FF2B5EF4-FFF2-40B4-BE49-F238E27FC236}">
+                <a16:creationId xmlns:a16="http://schemas.microsoft.com/office/drawing/2014/main" id="{8B71F650-0133-40EE-A1B1-CCEE25DC6431}"/>
+              </a:ext>
+            </a:extLst>
+          </p:cNvPr>
+          <p:cNvSpPr txBox="1"/>
+          <p:nvPr/>
+        </p:nvSpPr>
+        <p:spPr>
+          <a:xfrm>
+            <a:off x="10535698" y="1153492"/>
+            <a:ext cx="369332" cy="696281"/>
+          </a:xfrm>
+          <a:prstGeom prst="rect">
+            <a:avLst/>
+          </a:prstGeom>
+          <a:noFill/>
+        </p:spPr>
+        <p:txBody>
+          <a:bodyPr vert="vert270" wrap="square" rtlCol="0">
+            <a:spAutoFit/>
+          </a:bodyPr>
+          <a:lstStyle/>
+          <a:p>
+            <a:r>
+              <a:rPr lang="en-IN" sz="1200" dirty="0"/>
+              <a:t>G. DATA</a:t>
+            </a:r>
+          </a:p>
+        </p:txBody>
+      </p:sp>
+      <p:sp>
+        <p:nvSpPr>
+          <p:cNvPr id="100" name="TextBox 99">
+            <a:extLst>
+              <a:ext uri="{FF2B5EF4-FFF2-40B4-BE49-F238E27FC236}">
+                <a16:creationId xmlns:a16="http://schemas.microsoft.com/office/drawing/2014/main" id="{3C44091C-2A7F-4920-ACD6-5525A593013B}"/>
+              </a:ext>
+            </a:extLst>
+          </p:cNvPr>
+          <p:cNvSpPr txBox="1"/>
+          <p:nvPr/>
+        </p:nvSpPr>
+        <p:spPr>
+          <a:xfrm>
+            <a:off x="6906762" y="1275587"/>
+            <a:ext cx="369332" cy="604400"/>
+          </a:xfrm>
+          <a:prstGeom prst="rect">
+            <a:avLst/>
+          </a:prstGeom>
+          <a:noFill/>
+        </p:spPr>
+        <p:txBody>
+          <a:bodyPr vert="vert270" wrap="square" rtlCol="0">
+            <a:spAutoFit/>
+          </a:bodyPr>
+          <a:lstStyle/>
+          <a:p>
+            <a:r>
+              <a:rPr lang="en-IN" sz="1200" dirty="0"/>
+              <a:t>G. DATA</a:t>
+            </a:r>
+          </a:p>
+        </p:txBody>
+      </p:sp>
+      <p:sp>
+        <p:nvSpPr>
+          <p:cNvPr id="101" name="TextBox 100">
+            <a:extLst>
+              <a:ext uri="{FF2B5EF4-FFF2-40B4-BE49-F238E27FC236}">
+                <a16:creationId xmlns:a16="http://schemas.microsoft.com/office/drawing/2014/main" id="{CEB914E1-8F79-41FB-9EB2-F277C1327714}"/>
+              </a:ext>
+            </a:extLst>
+          </p:cNvPr>
+          <p:cNvSpPr txBox="1"/>
+          <p:nvPr/>
+        </p:nvSpPr>
+        <p:spPr>
+          <a:xfrm>
+            <a:off x="2739045" y="5409995"/>
+            <a:ext cx="369332" cy="569657"/>
+          </a:xfrm>
+          <a:prstGeom prst="rect">
+            <a:avLst/>
+          </a:prstGeom>
+          <a:noFill/>
+        </p:spPr>
+        <p:txBody>
+          <a:bodyPr vert="vert270" wrap="square" rtlCol="0">
+            <a:spAutoFit/>
+          </a:bodyPr>
+          <a:lstStyle/>
+          <a:p>
+            <a:r>
+              <a:rPr lang="en-IN" sz="1200" dirty="0"/>
+              <a:t>L. DATA</a:t>
+            </a:r>
+          </a:p>
+        </p:txBody>
+      </p:sp>
+      <p:sp>
+        <p:nvSpPr>
+          <p:cNvPr id="102" name="TextBox 101">
+            <a:extLst>
+              <a:ext uri="{FF2B5EF4-FFF2-40B4-BE49-F238E27FC236}">
+                <a16:creationId xmlns:a16="http://schemas.microsoft.com/office/drawing/2014/main" id="{55D0700E-C85F-4EDE-A069-8273C9344B5C}"/>
+              </a:ext>
+            </a:extLst>
+          </p:cNvPr>
+          <p:cNvSpPr txBox="1"/>
+          <p:nvPr/>
+        </p:nvSpPr>
+        <p:spPr>
+          <a:xfrm>
+            <a:off x="10574032" y="5438756"/>
+            <a:ext cx="369332" cy="569657"/>
+          </a:xfrm>
+          <a:prstGeom prst="rect">
+            <a:avLst/>
+          </a:prstGeom>
+          <a:noFill/>
+        </p:spPr>
+        <p:txBody>
+          <a:bodyPr vert="vert270" wrap="square" rtlCol="0">
+            <a:spAutoFit/>
+          </a:bodyPr>
+          <a:lstStyle/>
+          <a:p>
+            <a:r>
+              <a:rPr lang="en-IN" sz="1200" dirty="0"/>
+              <a:t>L. DATA</a:t>
+            </a:r>
+          </a:p>
+        </p:txBody>
+      </p:sp>
+      <p:sp>
+        <p:nvSpPr>
+          <p:cNvPr id="103" name="TextBox 102">
+            <a:extLst>
+              <a:ext uri="{FF2B5EF4-FFF2-40B4-BE49-F238E27FC236}">
+                <a16:creationId xmlns:a16="http://schemas.microsoft.com/office/drawing/2014/main" id="{0FDD3550-9823-4E75-AC5B-28EA24255150}"/>
+              </a:ext>
+            </a:extLst>
+          </p:cNvPr>
+          <p:cNvSpPr txBox="1"/>
+          <p:nvPr/>
+        </p:nvSpPr>
+        <p:spPr>
+          <a:xfrm>
+            <a:off x="8007968" y="5438756"/>
+            <a:ext cx="369332" cy="569657"/>
+          </a:xfrm>
+          <a:prstGeom prst="rect">
+            <a:avLst/>
+          </a:prstGeom>
+          <a:noFill/>
+        </p:spPr>
+        <p:txBody>
+          <a:bodyPr vert="vert270" wrap="square" rtlCol="0">
+            <a:spAutoFit/>
+          </a:bodyPr>
+          <a:lstStyle/>
+          <a:p>
+            <a:r>
+              <a:rPr lang="en-IN" sz="1200" dirty="0"/>
+              <a:t>L. DATA</a:t>
+            </a:r>
+          </a:p>
+        </p:txBody>
+      </p:sp>
+      <p:sp>
+        <p:nvSpPr>
+          <p:cNvPr id="104" name="TextBox 103">
+            <a:extLst>
+              <a:ext uri="{FF2B5EF4-FFF2-40B4-BE49-F238E27FC236}">
+                <a16:creationId xmlns:a16="http://schemas.microsoft.com/office/drawing/2014/main" id="{8A857A97-997E-4932-8A71-D3F60E980519}"/>
+              </a:ext>
+            </a:extLst>
+          </p:cNvPr>
+          <p:cNvSpPr txBox="1"/>
+          <p:nvPr/>
+        </p:nvSpPr>
+        <p:spPr>
+          <a:xfrm>
+            <a:off x="5390471" y="5429966"/>
+            <a:ext cx="369332" cy="569657"/>
+          </a:xfrm>
+          <a:prstGeom prst="rect">
+            <a:avLst/>
+          </a:prstGeom>
+          <a:noFill/>
+        </p:spPr>
+        <p:txBody>
+          <a:bodyPr vert="vert270" wrap="square" rtlCol="0">
+            <a:spAutoFit/>
+          </a:bodyPr>
+          <a:lstStyle/>
+          <a:p>
+            <a:r>
+              <a:rPr lang="en-IN" sz="1200" dirty="0"/>
+              <a:t>L. DATA</a:t>
+            </a:r>
+          </a:p>
+        </p:txBody>
+      </p:sp>
+      <p:sp>
+        <p:nvSpPr>
+          <p:cNvPr id="107" name="TextBox 106">
+            <a:extLst>
+              <a:ext uri="{FF2B5EF4-FFF2-40B4-BE49-F238E27FC236}">
+                <a16:creationId xmlns:a16="http://schemas.microsoft.com/office/drawing/2014/main" id="{F8AA1208-6646-43F2-BA32-6D514AFA0530}"/>
+              </a:ext>
+            </a:extLst>
+          </p:cNvPr>
+          <p:cNvSpPr txBox="1"/>
+          <p:nvPr/>
+        </p:nvSpPr>
+        <p:spPr>
+          <a:xfrm>
+            <a:off x="2724675" y="2764425"/>
+            <a:ext cx="721103" cy="307777"/>
+          </a:xfrm>
+          <a:prstGeom prst="rect">
+            <a:avLst/>
+          </a:prstGeom>
+          <a:noFill/>
+        </p:spPr>
+        <p:txBody>
+          <a:bodyPr wrap="square" rtlCol="0">
+            <a:spAutoFit/>
+          </a:bodyPr>
+          <a:lstStyle/>
+          <a:p>
+            <a:r>
+              <a:rPr lang="en-IN" sz="1400" dirty="0"/>
+              <a:t>FOG</a:t>
+            </a:r>
+          </a:p>
+        </p:txBody>
+      </p:sp>
+      <p:sp>
+        <p:nvSpPr>
+          <p:cNvPr id="108" name="TextBox 107">
+            <a:extLst>
+              <a:ext uri="{FF2B5EF4-FFF2-40B4-BE49-F238E27FC236}">
+                <a16:creationId xmlns:a16="http://schemas.microsoft.com/office/drawing/2014/main" id="{B20EC8F1-7BB4-42F1-9130-D07539AA1152}"/>
+              </a:ext>
+            </a:extLst>
+          </p:cNvPr>
+          <p:cNvSpPr txBox="1"/>
+          <p:nvPr/>
+        </p:nvSpPr>
+        <p:spPr>
+          <a:xfrm>
+            <a:off x="1894861" y="4832837"/>
+            <a:ext cx="602790" cy="307777"/>
+          </a:xfrm>
+          <a:prstGeom prst="rect">
+            <a:avLst/>
+          </a:prstGeom>
+          <a:noFill/>
+        </p:spPr>
+        <p:txBody>
+          <a:bodyPr wrap="square" rtlCol="0">
+            <a:spAutoFit/>
+          </a:bodyPr>
+          <a:lstStyle/>
+          <a:p>
+            <a:r>
+              <a:rPr lang="en-IN" sz="1400" dirty="0"/>
+              <a:t>EDGE</a:t>
+            </a:r>
+          </a:p>
+        </p:txBody>
+      </p:sp>
+      <p:sp>
+        <p:nvSpPr>
+          <p:cNvPr id="109" name="TextBox 108">
+            <a:extLst>
+              <a:ext uri="{FF2B5EF4-FFF2-40B4-BE49-F238E27FC236}">
+                <a16:creationId xmlns:a16="http://schemas.microsoft.com/office/drawing/2014/main" id="{0692FA10-46C6-44B8-A927-E7DD76FCE107}"/>
+              </a:ext>
+            </a:extLst>
+          </p:cNvPr>
+          <p:cNvSpPr txBox="1"/>
+          <p:nvPr/>
+        </p:nvSpPr>
+        <p:spPr>
+          <a:xfrm>
+            <a:off x="9211878" y="2780424"/>
+            <a:ext cx="721103" cy="307777"/>
+          </a:xfrm>
+          <a:prstGeom prst="rect">
+            <a:avLst/>
+          </a:prstGeom>
+          <a:noFill/>
+        </p:spPr>
+        <p:txBody>
+          <a:bodyPr wrap="square" rtlCol="0">
+            <a:spAutoFit/>
+          </a:bodyPr>
+          <a:lstStyle/>
+          <a:p>
+            <a:r>
+              <a:rPr lang="en-IN" sz="1400" dirty="0"/>
+              <a:t>FOG</a:t>
+            </a:r>
+          </a:p>
+        </p:txBody>
+      </p:sp>
+      <p:sp>
+        <p:nvSpPr>
+          <p:cNvPr id="110" name="TextBox 109">
+            <a:extLst>
+              <a:ext uri="{FF2B5EF4-FFF2-40B4-BE49-F238E27FC236}">
+                <a16:creationId xmlns:a16="http://schemas.microsoft.com/office/drawing/2014/main" id="{B6ACA581-4C2C-4F95-A602-1C611B7341A9}"/>
+              </a:ext>
+            </a:extLst>
+          </p:cNvPr>
+          <p:cNvSpPr txBox="1"/>
+          <p:nvPr/>
+        </p:nvSpPr>
+        <p:spPr>
+          <a:xfrm>
+            <a:off x="9977631" y="4860237"/>
+            <a:ext cx="602790" cy="307777"/>
+          </a:xfrm>
+          <a:prstGeom prst="rect">
+            <a:avLst/>
+          </a:prstGeom>
+          <a:noFill/>
+        </p:spPr>
+        <p:txBody>
+          <a:bodyPr wrap="square" rtlCol="0">
+            <a:spAutoFit/>
+          </a:bodyPr>
+          <a:lstStyle/>
+          <a:p>
+            <a:r>
+              <a:rPr lang="en-IN" sz="1400" dirty="0"/>
+              <a:t>EDGE</a:t>
+            </a:r>
+          </a:p>
+        </p:txBody>
+      </p:sp>
+      <p:sp>
+        <p:nvSpPr>
+          <p:cNvPr id="111" name="TextBox 110">
+            <a:extLst>
+              <a:ext uri="{FF2B5EF4-FFF2-40B4-BE49-F238E27FC236}">
+                <a16:creationId xmlns:a16="http://schemas.microsoft.com/office/drawing/2014/main" id="{23FFEE09-BA46-4A0F-87D2-5D2E9150866A}"/>
+              </a:ext>
+            </a:extLst>
+          </p:cNvPr>
+          <p:cNvSpPr txBox="1"/>
+          <p:nvPr/>
+        </p:nvSpPr>
+        <p:spPr>
+          <a:xfrm>
+            <a:off x="7215415" y="4860238"/>
+            <a:ext cx="602790" cy="307777"/>
+          </a:xfrm>
+          <a:prstGeom prst="rect">
+            <a:avLst/>
+          </a:prstGeom>
+          <a:noFill/>
+        </p:spPr>
+        <p:txBody>
+          <a:bodyPr wrap="square" rtlCol="0">
+            <a:spAutoFit/>
+          </a:bodyPr>
+          <a:lstStyle/>
+          <a:p>
+            <a:r>
+              <a:rPr lang="en-IN" sz="1400" dirty="0"/>
+              <a:t>EDGE</a:t>
+            </a:r>
+          </a:p>
+        </p:txBody>
+      </p:sp>
+      <p:sp>
+        <p:nvSpPr>
+          <p:cNvPr id="112" name="TextBox 111">
+            <a:extLst>
+              <a:ext uri="{FF2B5EF4-FFF2-40B4-BE49-F238E27FC236}">
+                <a16:creationId xmlns:a16="http://schemas.microsoft.com/office/drawing/2014/main" id="{0339C6EB-243C-422D-A985-AEFA3B208B72}"/>
+              </a:ext>
+            </a:extLst>
+          </p:cNvPr>
+          <p:cNvSpPr txBox="1"/>
+          <p:nvPr/>
+        </p:nvSpPr>
+        <p:spPr>
+          <a:xfrm>
+            <a:off x="4680013" y="4853490"/>
+            <a:ext cx="602790" cy="307777"/>
+          </a:xfrm>
+          <a:prstGeom prst="rect">
+            <a:avLst/>
+          </a:prstGeom>
+          <a:noFill/>
+        </p:spPr>
+        <p:txBody>
+          <a:bodyPr wrap="square" rtlCol="0">
+            <a:spAutoFit/>
+          </a:bodyPr>
+          <a:lstStyle/>
+          <a:p>
+            <a:r>
+              <a:rPr lang="en-IN" sz="1400" dirty="0"/>
+              <a:t>EDGE</a:t>
+            </a:r>
+          </a:p>
+        </p:txBody>
+      </p:sp>
+      <p:sp>
+        <p:nvSpPr>
+          <p:cNvPr id="114" name="TextBox 113">
+            <a:extLst>
+              <a:ext uri="{FF2B5EF4-FFF2-40B4-BE49-F238E27FC236}">
+                <a16:creationId xmlns:a16="http://schemas.microsoft.com/office/drawing/2014/main" id="{A08CDA19-A2C1-4B52-8D37-1D96187D31AA}"/>
+              </a:ext>
+            </a:extLst>
+          </p:cNvPr>
+          <p:cNvSpPr txBox="1"/>
+          <p:nvPr/>
+        </p:nvSpPr>
+        <p:spPr>
+          <a:xfrm>
+            <a:off x="1427356" y="1141304"/>
+            <a:ext cx="553998" cy="669020"/>
+          </a:xfrm>
+          <a:prstGeom prst="rect">
+            <a:avLst/>
+          </a:prstGeom>
+          <a:noFill/>
+        </p:spPr>
+        <p:txBody>
+          <a:bodyPr vert="vert270" wrap="square" rtlCol="0">
+            <a:spAutoFit/>
+          </a:bodyPr>
+          <a:lstStyle/>
+          <a:p>
+            <a:r>
+              <a:rPr lang="en-IN" sz="1200" dirty="0" err="1"/>
+              <a:t>GoDB</a:t>
+            </a:r>
+            <a:r>
+              <a:rPr lang="en-IN" sz="1200" dirty="0"/>
+              <a:t> LOGIC</a:t>
+            </a:r>
+          </a:p>
+        </p:txBody>
+      </p:sp>
+      <p:sp>
+        <p:nvSpPr>
+          <p:cNvPr id="115" name="TextBox 114">
+            <a:extLst>
+              <a:ext uri="{FF2B5EF4-FFF2-40B4-BE49-F238E27FC236}">
+                <a16:creationId xmlns:a16="http://schemas.microsoft.com/office/drawing/2014/main" id="{4A6DC59F-6B63-45EF-AFEC-06F7783D0A2A}"/>
+              </a:ext>
+            </a:extLst>
+          </p:cNvPr>
+          <p:cNvSpPr txBox="1"/>
+          <p:nvPr/>
+        </p:nvSpPr>
+        <p:spPr>
+          <a:xfrm>
+            <a:off x="8907017" y="1081654"/>
+            <a:ext cx="553998" cy="669020"/>
+          </a:xfrm>
+          <a:prstGeom prst="rect">
+            <a:avLst/>
+          </a:prstGeom>
+          <a:noFill/>
+        </p:spPr>
+        <p:txBody>
+          <a:bodyPr vert="vert270" wrap="square" rtlCol="0">
+            <a:spAutoFit/>
+          </a:bodyPr>
+          <a:lstStyle/>
+          <a:p>
+            <a:r>
+              <a:rPr lang="en-IN" sz="1200" dirty="0" err="1"/>
+              <a:t>GoDB</a:t>
+            </a:r>
+            <a:r>
+              <a:rPr lang="en-IN" sz="1200" dirty="0"/>
+              <a:t> LOGIC</a:t>
+            </a:r>
+          </a:p>
+        </p:txBody>
+      </p:sp>
+      <p:sp>
+        <p:nvSpPr>
+          <p:cNvPr id="116" name="TextBox 115">
+            <a:extLst>
+              <a:ext uri="{FF2B5EF4-FFF2-40B4-BE49-F238E27FC236}">
+                <a16:creationId xmlns:a16="http://schemas.microsoft.com/office/drawing/2014/main" id="{41A0E399-14C4-4D44-A0F6-FE82D2FA6581}"/>
+              </a:ext>
+            </a:extLst>
+          </p:cNvPr>
+          <p:cNvSpPr txBox="1"/>
+          <p:nvPr/>
+        </p:nvSpPr>
+        <p:spPr>
+          <a:xfrm>
+            <a:off x="5273276" y="1111545"/>
+            <a:ext cx="553998" cy="669020"/>
+          </a:xfrm>
+          <a:prstGeom prst="rect">
+            <a:avLst/>
+          </a:prstGeom>
+          <a:noFill/>
+        </p:spPr>
+        <p:txBody>
+          <a:bodyPr vert="vert270" wrap="square" rtlCol="0">
+            <a:spAutoFit/>
+          </a:bodyPr>
+          <a:lstStyle/>
+          <a:p>
+            <a:r>
+              <a:rPr lang="en-IN" sz="1200" dirty="0" err="1"/>
+              <a:t>GoDB</a:t>
+            </a:r>
+            <a:r>
+              <a:rPr lang="en-IN" sz="1200" dirty="0"/>
+              <a:t> LOGIC</a:t>
+            </a:r>
+          </a:p>
+        </p:txBody>
+      </p:sp>
+      <p:sp>
+        <p:nvSpPr>
+          <p:cNvPr id="117" name="TextBox 116">
+            <a:extLst>
+              <a:ext uri="{FF2B5EF4-FFF2-40B4-BE49-F238E27FC236}">
+                <a16:creationId xmlns:a16="http://schemas.microsoft.com/office/drawing/2014/main" id="{07D7160E-D016-42F2-AB51-4D16EEC7E085}"/>
+              </a:ext>
+            </a:extLst>
+          </p:cNvPr>
+          <p:cNvSpPr txBox="1"/>
+          <p:nvPr/>
+        </p:nvSpPr>
+        <p:spPr>
+          <a:xfrm>
+            <a:off x="2581721" y="3332391"/>
+            <a:ext cx="637563" cy="461665"/>
+          </a:xfrm>
+          <a:prstGeom prst="rect">
+            <a:avLst/>
+          </a:prstGeom>
+          <a:noFill/>
+        </p:spPr>
+        <p:txBody>
+          <a:bodyPr vert="horz" wrap="square" rtlCol="0">
+            <a:spAutoFit/>
+          </a:bodyPr>
+          <a:lstStyle/>
+          <a:p>
+            <a:r>
+              <a:rPr lang="en-IN" sz="1200" dirty="0"/>
+              <a:t>FOG LOGIC</a:t>
+            </a:r>
+          </a:p>
+        </p:txBody>
+      </p:sp>
+      <p:sp>
+        <p:nvSpPr>
+          <p:cNvPr id="118" name="TextBox 117">
+            <a:extLst>
+              <a:ext uri="{FF2B5EF4-FFF2-40B4-BE49-F238E27FC236}">
+                <a16:creationId xmlns:a16="http://schemas.microsoft.com/office/drawing/2014/main" id="{54903D07-3AC1-44C8-B187-3AF1114175ED}"/>
+              </a:ext>
+            </a:extLst>
+          </p:cNvPr>
+          <p:cNvSpPr txBox="1"/>
+          <p:nvPr/>
+        </p:nvSpPr>
+        <p:spPr>
+          <a:xfrm>
+            <a:off x="8698245" y="3357456"/>
+            <a:ext cx="637563" cy="461665"/>
+          </a:xfrm>
+          <a:prstGeom prst="rect">
+            <a:avLst/>
+          </a:prstGeom>
+          <a:noFill/>
+        </p:spPr>
+        <p:txBody>
+          <a:bodyPr vert="horz" wrap="square" rtlCol="0">
+            <a:spAutoFit/>
+          </a:bodyPr>
+          <a:lstStyle/>
+          <a:p>
+            <a:r>
+              <a:rPr lang="en-IN" sz="1200" dirty="0"/>
+              <a:t>FOG LOGIC</a:t>
+            </a:r>
+          </a:p>
+        </p:txBody>
+      </p:sp>
+      <p:sp>
+        <p:nvSpPr>
+          <p:cNvPr id="119" name="TextBox 118">
+            <a:extLst>
+              <a:ext uri="{FF2B5EF4-FFF2-40B4-BE49-F238E27FC236}">
+                <a16:creationId xmlns:a16="http://schemas.microsoft.com/office/drawing/2014/main" id="{D056AA2E-8C79-4CC8-A3E5-DCC70CC5517C}"/>
+              </a:ext>
+            </a:extLst>
+          </p:cNvPr>
+          <p:cNvSpPr txBox="1"/>
+          <p:nvPr/>
+        </p:nvSpPr>
+        <p:spPr>
+          <a:xfrm>
+            <a:off x="1374829" y="5419155"/>
+            <a:ext cx="637563" cy="461665"/>
+          </a:xfrm>
+          <a:prstGeom prst="rect">
+            <a:avLst/>
+          </a:prstGeom>
+          <a:noFill/>
+        </p:spPr>
+        <p:txBody>
+          <a:bodyPr vert="horz" wrap="square" rtlCol="0">
+            <a:spAutoFit/>
+          </a:bodyPr>
+          <a:lstStyle/>
+          <a:p>
+            <a:r>
+              <a:rPr lang="en-IN" sz="1200" dirty="0"/>
+              <a:t>EDGE LOGIC</a:t>
+            </a:r>
+          </a:p>
+        </p:txBody>
+      </p:sp>
+      <p:sp>
+        <p:nvSpPr>
+          <p:cNvPr id="120" name="TextBox 119">
+            <a:extLst>
+              <a:ext uri="{FF2B5EF4-FFF2-40B4-BE49-F238E27FC236}">
+                <a16:creationId xmlns:a16="http://schemas.microsoft.com/office/drawing/2014/main" id="{B42B3FFA-7C33-4C51-AFEB-507A246B3935}"/>
+              </a:ext>
+            </a:extLst>
+          </p:cNvPr>
+          <p:cNvSpPr txBox="1"/>
+          <p:nvPr/>
+        </p:nvSpPr>
+        <p:spPr>
+          <a:xfrm>
+            <a:off x="9159558" y="5463989"/>
+            <a:ext cx="637563" cy="461665"/>
+          </a:xfrm>
+          <a:prstGeom prst="rect">
+            <a:avLst/>
+          </a:prstGeom>
+          <a:noFill/>
+        </p:spPr>
+        <p:txBody>
+          <a:bodyPr vert="horz" wrap="square" rtlCol="0">
+            <a:spAutoFit/>
+          </a:bodyPr>
+          <a:lstStyle/>
+          <a:p>
+            <a:r>
+              <a:rPr lang="en-IN" sz="1200" dirty="0"/>
+              <a:t>EDGE LOGIC</a:t>
+            </a:r>
+          </a:p>
+        </p:txBody>
+      </p:sp>
+      <p:sp>
+        <p:nvSpPr>
+          <p:cNvPr id="121" name="TextBox 120">
+            <a:extLst>
+              <a:ext uri="{FF2B5EF4-FFF2-40B4-BE49-F238E27FC236}">
+                <a16:creationId xmlns:a16="http://schemas.microsoft.com/office/drawing/2014/main" id="{FEEFB002-AAFA-47F4-89AF-9C866E9A52E8}"/>
+              </a:ext>
+            </a:extLst>
+          </p:cNvPr>
+          <p:cNvSpPr txBox="1"/>
+          <p:nvPr/>
+        </p:nvSpPr>
+        <p:spPr>
+          <a:xfrm>
+            <a:off x="6602889" y="5463990"/>
+            <a:ext cx="637563" cy="461665"/>
+          </a:xfrm>
+          <a:prstGeom prst="rect">
+            <a:avLst/>
+          </a:prstGeom>
+          <a:noFill/>
+        </p:spPr>
+        <p:txBody>
+          <a:bodyPr vert="horz" wrap="square" rtlCol="0">
+            <a:spAutoFit/>
+          </a:bodyPr>
+          <a:lstStyle/>
+          <a:p>
+            <a:r>
+              <a:rPr lang="en-IN" sz="1200" dirty="0"/>
+              <a:t>EDGE LOGIC</a:t>
+            </a:r>
+          </a:p>
+        </p:txBody>
+      </p:sp>
+      <p:sp>
+        <p:nvSpPr>
+          <p:cNvPr id="122" name="TextBox 121">
+            <a:extLst>
+              <a:ext uri="{FF2B5EF4-FFF2-40B4-BE49-F238E27FC236}">
+                <a16:creationId xmlns:a16="http://schemas.microsoft.com/office/drawing/2014/main" id="{9EDD1E2D-FD6F-403B-8FCC-AE14CC09A544}"/>
+              </a:ext>
+            </a:extLst>
+          </p:cNvPr>
+          <p:cNvSpPr txBox="1"/>
+          <p:nvPr/>
+        </p:nvSpPr>
+        <p:spPr>
+          <a:xfrm>
+            <a:off x="3943180" y="5419652"/>
+            <a:ext cx="637563" cy="461665"/>
+          </a:xfrm>
+          <a:prstGeom prst="rect">
+            <a:avLst/>
+          </a:prstGeom>
+          <a:noFill/>
+        </p:spPr>
+        <p:txBody>
+          <a:bodyPr vert="horz" wrap="square" rtlCol="0">
+            <a:spAutoFit/>
+          </a:bodyPr>
+          <a:lstStyle/>
+          <a:p>
+            <a:r>
+              <a:rPr lang="en-IN" sz="1200" dirty="0"/>
+              <a:t>EDGE LOGIC</a:t>
+            </a:r>
+          </a:p>
+        </p:txBody>
+      </p:sp>
+      <p:sp>
+        <p:nvSpPr>
+          <p:cNvPr id="124" name="TextBox 123">
+            <a:extLst>
+              <a:ext uri="{FF2B5EF4-FFF2-40B4-BE49-F238E27FC236}">
+                <a16:creationId xmlns:a16="http://schemas.microsoft.com/office/drawing/2014/main" id="{6A2AE900-2E6F-4985-ADCB-BBBDE027A936}"/>
+              </a:ext>
+            </a:extLst>
+          </p:cNvPr>
+          <p:cNvSpPr txBox="1"/>
+          <p:nvPr/>
+        </p:nvSpPr>
+        <p:spPr>
+          <a:xfrm>
+            <a:off x="4777881" y="1204864"/>
+            <a:ext cx="369332" cy="643856"/>
+          </a:xfrm>
+          <a:prstGeom prst="rect">
+            <a:avLst/>
+          </a:prstGeom>
+          <a:noFill/>
+        </p:spPr>
+        <p:txBody>
+          <a:bodyPr vert="vert270" wrap="square" rtlCol="0">
+            <a:spAutoFit/>
+          </a:bodyPr>
+          <a:lstStyle/>
+          <a:p>
+            <a:r>
+              <a:rPr lang="en-IN" sz="1200" dirty="0"/>
+              <a:t>COORD.</a:t>
+            </a:r>
+          </a:p>
+        </p:txBody>
+      </p:sp>
+      <p:sp>
+        <p:nvSpPr>
+          <p:cNvPr id="125" name="TextBox 124">
+            <a:extLst>
+              <a:ext uri="{FF2B5EF4-FFF2-40B4-BE49-F238E27FC236}">
+                <a16:creationId xmlns:a16="http://schemas.microsoft.com/office/drawing/2014/main" id="{C8252350-61FF-4512-97C9-4B748DD9AB6A}"/>
+              </a:ext>
+            </a:extLst>
+          </p:cNvPr>
+          <p:cNvSpPr txBox="1"/>
+          <p:nvPr/>
+        </p:nvSpPr>
+        <p:spPr>
+          <a:xfrm>
+            <a:off x="7760135" y="3449788"/>
+            <a:ext cx="707532" cy="276999"/>
+          </a:xfrm>
+          <a:prstGeom prst="rect">
+            <a:avLst/>
+          </a:prstGeom>
+          <a:noFill/>
+        </p:spPr>
+        <p:txBody>
+          <a:bodyPr vert="horz" wrap="square" rtlCol="0">
+            <a:spAutoFit/>
+          </a:bodyPr>
+          <a:lstStyle/>
+          <a:p>
+            <a:r>
+              <a:rPr lang="en-IN" sz="1200" dirty="0"/>
+              <a:t>COORD.</a:t>
+            </a:r>
+          </a:p>
+        </p:txBody>
+      </p:sp>
+      <p:sp>
+        <p:nvSpPr>
+          <p:cNvPr id="126" name="TextBox 125">
+            <a:extLst>
+              <a:ext uri="{FF2B5EF4-FFF2-40B4-BE49-F238E27FC236}">
+                <a16:creationId xmlns:a16="http://schemas.microsoft.com/office/drawing/2014/main" id="{5C326B3E-21B5-42BF-82DA-CFC2A618BF62}"/>
+              </a:ext>
+            </a:extLst>
+          </p:cNvPr>
+          <p:cNvSpPr txBox="1"/>
+          <p:nvPr/>
+        </p:nvSpPr>
+        <p:spPr>
+          <a:xfrm>
+            <a:off x="1565377" y="3412112"/>
+            <a:ext cx="755800" cy="276999"/>
+          </a:xfrm>
+          <a:prstGeom prst="rect">
+            <a:avLst/>
+          </a:prstGeom>
+          <a:noFill/>
+        </p:spPr>
+        <p:txBody>
+          <a:bodyPr vert="horz" wrap="square" rtlCol="0">
+            <a:spAutoFit/>
+          </a:bodyPr>
+          <a:lstStyle/>
+          <a:p>
+            <a:r>
+              <a:rPr lang="en-IN" sz="1200" dirty="0"/>
+              <a:t>COORD.</a:t>
+            </a:r>
           </a:p>
         </p:txBody>
       </p:sp>
@@ -5157,6 +8740,1438 @@
     <p:extLst>
       <p:ext uri="{BB962C8B-B14F-4D97-AF65-F5344CB8AC3E}">
         <p14:creationId xmlns:p14="http://schemas.microsoft.com/office/powerpoint/2010/main" val="4108657293"/>
+      </p:ext>
+    </p:extLst>
+  </p:cSld>
+  <p:clrMapOvr>
+    <a:masterClrMapping/>
+  </p:clrMapOvr>
+</p:sld>
+</file>
+
+<file path=ppt/slides/slide3.xml><?xml version="1.0" encoding="utf-8"?>
+<p:sld xmlns:a="http://schemas.openxmlformats.org/drawingml/2006/main" xmlns:r="http://schemas.openxmlformats.org/officeDocument/2006/relationships" xmlns:p="http://schemas.openxmlformats.org/presentationml/2006/main">
+  <p:cSld>
+    <p:spTree>
+      <p:nvGrpSpPr>
+        <p:cNvPr id="1" name=""/>
+        <p:cNvGrpSpPr/>
+        <p:nvPr/>
+      </p:nvGrpSpPr>
+      <p:grpSpPr>
+        <a:xfrm>
+          <a:off x="0" y="0"/>
+          <a:ext cx="0" cy="0"/>
+          <a:chOff x="0" y="0"/>
+          <a:chExt cx="0" cy="0"/>
+        </a:xfrm>
+      </p:grpSpPr>
+      <p:grpSp>
+        <p:nvGrpSpPr>
+          <p:cNvPr id="85" name="Group 84">
+            <a:extLst>
+              <a:ext uri="{FF2B5EF4-FFF2-40B4-BE49-F238E27FC236}">
+                <a16:creationId xmlns:a16="http://schemas.microsoft.com/office/drawing/2014/main" id="{B008F243-1A4D-4F71-B11C-3345CB08231F}"/>
+              </a:ext>
+            </a:extLst>
+          </p:cNvPr>
+          <p:cNvGrpSpPr/>
+          <p:nvPr/>
+        </p:nvGrpSpPr>
+        <p:grpSpPr>
+          <a:xfrm>
+            <a:off x="1924573" y="889233"/>
+            <a:ext cx="5228613" cy="2895599"/>
+            <a:chOff x="1924573" y="889233"/>
+            <a:chExt cx="5228613" cy="2895599"/>
+          </a:xfrm>
+        </p:grpSpPr>
+        <p:sp>
+          <p:nvSpPr>
+            <p:cNvPr id="4" name="Rectangle 3">
+              <a:extLst>
+                <a:ext uri="{FF2B5EF4-FFF2-40B4-BE49-F238E27FC236}">
+                  <a16:creationId xmlns:a16="http://schemas.microsoft.com/office/drawing/2014/main" id="{EDC24C44-7E85-442A-8FDA-809613880190}"/>
+                </a:ext>
+              </a:extLst>
+            </p:cNvPr>
+            <p:cNvSpPr/>
+            <p:nvPr/>
+          </p:nvSpPr>
+          <p:spPr>
+            <a:xfrm>
+              <a:off x="2079069" y="1001787"/>
+              <a:ext cx="1208014" cy="629174"/>
+            </a:xfrm>
+            <a:prstGeom prst="rect">
+              <a:avLst/>
+            </a:prstGeom>
+            <a:noFill/>
+            <a:ln>
+              <a:solidFill>
+                <a:schemeClr val="tx1">
+                  <a:lumMod val="85000"/>
+                  <a:lumOff val="15000"/>
+                </a:schemeClr>
+              </a:solidFill>
+            </a:ln>
+          </p:spPr>
+          <p:style>
+            <a:lnRef idx="2">
+              <a:schemeClr val="accent1">
+                <a:shade val="50000"/>
+              </a:schemeClr>
+            </a:lnRef>
+            <a:fillRef idx="1">
+              <a:schemeClr val="accent1"/>
+            </a:fillRef>
+            <a:effectRef idx="0">
+              <a:schemeClr val="accent1"/>
+            </a:effectRef>
+            <a:fontRef idx="minor">
+              <a:schemeClr val="lt1"/>
+            </a:fontRef>
+          </p:style>
+          <p:txBody>
+            <a:bodyPr rtlCol="0" anchor="ctr"/>
+            <a:lstStyle/>
+            <a:p>
+              <a:pPr algn="ctr"/>
+              <a:endParaRPr lang="en-IN" dirty="0"/>
+            </a:p>
+          </p:txBody>
+        </p:sp>
+        <p:sp>
+          <p:nvSpPr>
+            <p:cNvPr id="6" name="Rectangle 5">
+              <a:extLst>
+                <a:ext uri="{FF2B5EF4-FFF2-40B4-BE49-F238E27FC236}">
+                  <a16:creationId xmlns:a16="http://schemas.microsoft.com/office/drawing/2014/main" id="{6122A8FB-D09E-432F-ACC8-0FA227E1C4A8}"/>
+                </a:ext>
+              </a:extLst>
+            </p:cNvPr>
+            <p:cNvSpPr/>
+            <p:nvPr/>
+          </p:nvSpPr>
+          <p:spPr>
+            <a:xfrm>
+              <a:off x="3826778" y="1001787"/>
+              <a:ext cx="1208014" cy="629174"/>
+            </a:xfrm>
+            <a:prstGeom prst="rect">
+              <a:avLst/>
+            </a:prstGeom>
+          </p:spPr>
+          <p:style>
+            <a:lnRef idx="2">
+              <a:schemeClr val="accent3">
+                <a:shade val="50000"/>
+              </a:schemeClr>
+            </a:lnRef>
+            <a:fillRef idx="1">
+              <a:schemeClr val="accent3"/>
+            </a:fillRef>
+            <a:effectRef idx="0">
+              <a:schemeClr val="accent3"/>
+            </a:effectRef>
+            <a:fontRef idx="minor">
+              <a:schemeClr val="lt1"/>
+            </a:fontRef>
+          </p:style>
+          <p:txBody>
+            <a:bodyPr rtlCol="0" anchor="ctr"/>
+            <a:lstStyle/>
+            <a:p>
+              <a:pPr algn="ctr"/>
+              <a:endParaRPr lang="en-IN" dirty="0"/>
+            </a:p>
+          </p:txBody>
+        </p:sp>
+        <p:sp>
+          <p:nvSpPr>
+            <p:cNvPr id="7" name="Rectangle 6">
+              <a:extLst>
+                <a:ext uri="{FF2B5EF4-FFF2-40B4-BE49-F238E27FC236}">
+                  <a16:creationId xmlns:a16="http://schemas.microsoft.com/office/drawing/2014/main" id="{E3AE0871-E53F-4E2B-8516-961A4BCEB102}"/>
+                </a:ext>
+              </a:extLst>
+            </p:cNvPr>
+            <p:cNvSpPr/>
+            <p:nvPr/>
+          </p:nvSpPr>
+          <p:spPr>
+            <a:xfrm>
+              <a:off x="4887986" y="2117264"/>
+              <a:ext cx="1208014" cy="629174"/>
+            </a:xfrm>
+            <a:prstGeom prst="rect">
+              <a:avLst/>
+            </a:prstGeom>
+          </p:spPr>
+          <p:style>
+            <a:lnRef idx="2">
+              <a:schemeClr val="accent3">
+                <a:shade val="50000"/>
+              </a:schemeClr>
+            </a:lnRef>
+            <a:fillRef idx="1">
+              <a:schemeClr val="accent3"/>
+            </a:fillRef>
+            <a:effectRef idx="0">
+              <a:schemeClr val="accent3"/>
+            </a:effectRef>
+            <a:fontRef idx="minor">
+              <a:schemeClr val="lt1"/>
+            </a:fontRef>
+          </p:style>
+          <p:txBody>
+            <a:bodyPr rtlCol="0" anchor="ctr"/>
+            <a:lstStyle/>
+            <a:p>
+              <a:pPr algn="ctr"/>
+              <a:endParaRPr lang="en-IN" dirty="0"/>
+            </a:p>
+          </p:txBody>
+        </p:sp>
+        <p:sp>
+          <p:nvSpPr>
+            <p:cNvPr id="8" name="Rectangle 7">
+              <a:extLst>
+                <a:ext uri="{FF2B5EF4-FFF2-40B4-BE49-F238E27FC236}">
+                  <a16:creationId xmlns:a16="http://schemas.microsoft.com/office/drawing/2014/main" id="{DAA01E17-FD0A-4489-8009-2767A9996207}"/>
+                </a:ext>
+              </a:extLst>
+            </p:cNvPr>
+            <p:cNvSpPr/>
+            <p:nvPr/>
+          </p:nvSpPr>
+          <p:spPr>
+            <a:xfrm>
+              <a:off x="2862044" y="2089559"/>
+              <a:ext cx="1208014" cy="629174"/>
+            </a:xfrm>
+            <a:prstGeom prst="rect">
+              <a:avLst/>
+            </a:prstGeom>
+          </p:spPr>
+          <p:style>
+            <a:lnRef idx="2">
+              <a:schemeClr val="accent4">
+                <a:shade val="50000"/>
+              </a:schemeClr>
+            </a:lnRef>
+            <a:fillRef idx="1">
+              <a:schemeClr val="accent4"/>
+            </a:fillRef>
+            <a:effectRef idx="0">
+              <a:schemeClr val="accent4"/>
+            </a:effectRef>
+            <a:fontRef idx="minor">
+              <a:schemeClr val="lt1"/>
+            </a:fontRef>
+          </p:style>
+          <p:txBody>
+            <a:bodyPr rtlCol="0" anchor="ctr"/>
+            <a:lstStyle/>
+            <a:p>
+              <a:pPr algn="ctr"/>
+              <a:endParaRPr lang="en-IN" dirty="0"/>
+            </a:p>
+          </p:txBody>
+        </p:sp>
+        <p:sp>
+          <p:nvSpPr>
+            <p:cNvPr id="9" name="Rectangle 8">
+              <a:extLst>
+                <a:ext uri="{FF2B5EF4-FFF2-40B4-BE49-F238E27FC236}">
+                  <a16:creationId xmlns:a16="http://schemas.microsoft.com/office/drawing/2014/main" id="{C0DF5F9B-00A5-44C7-AB0C-566C7B1D79A4}"/>
+                </a:ext>
+              </a:extLst>
+            </p:cNvPr>
+            <p:cNvSpPr/>
+            <p:nvPr/>
+          </p:nvSpPr>
+          <p:spPr>
+            <a:xfrm>
+              <a:off x="6383147" y="2123009"/>
+              <a:ext cx="669721" cy="629174"/>
+            </a:xfrm>
+            <a:prstGeom prst="rect">
+              <a:avLst/>
+            </a:prstGeom>
+          </p:spPr>
+          <p:style>
+            <a:lnRef idx="2">
+              <a:schemeClr val="accent2">
+                <a:shade val="50000"/>
+              </a:schemeClr>
+            </a:lnRef>
+            <a:fillRef idx="1">
+              <a:schemeClr val="accent2"/>
+            </a:fillRef>
+            <a:effectRef idx="0">
+              <a:schemeClr val="accent2"/>
+            </a:effectRef>
+            <a:fontRef idx="minor">
+              <a:schemeClr val="lt1"/>
+            </a:fontRef>
+          </p:style>
+          <p:txBody>
+            <a:bodyPr rtlCol="0" anchor="ctr"/>
+            <a:lstStyle/>
+            <a:p>
+              <a:pPr algn="ctr"/>
+              <a:endParaRPr lang="en-IN" dirty="0"/>
+            </a:p>
+          </p:txBody>
+        </p:sp>
+        <p:sp>
+          <p:nvSpPr>
+            <p:cNvPr id="10" name="Rectangle 9">
+              <a:extLst>
+                <a:ext uri="{FF2B5EF4-FFF2-40B4-BE49-F238E27FC236}">
+                  <a16:creationId xmlns:a16="http://schemas.microsoft.com/office/drawing/2014/main" id="{843380CD-E556-4C4E-AB68-4D76A4E4B9FA}"/>
+                </a:ext>
+              </a:extLst>
+            </p:cNvPr>
+            <p:cNvSpPr/>
+            <p:nvPr/>
+          </p:nvSpPr>
+          <p:spPr>
+            <a:xfrm>
+              <a:off x="4887986" y="3114413"/>
+              <a:ext cx="1208014" cy="629174"/>
+            </a:xfrm>
+            <a:prstGeom prst="rect">
+              <a:avLst/>
+            </a:prstGeom>
+          </p:spPr>
+          <p:style>
+            <a:lnRef idx="2">
+              <a:schemeClr val="accent3">
+                <a:shade val="50000"/>
+              </a:schemeClr>
+            </a:lnRef>
+            <a:fillRef idx="1">
+              <a:schemeClr val="accent3"/>
+            </a:fillRef>
+            <a:effectRef idx="0">
+              <a:schemeClr val="accent3"/>
+            </a:effectRef>
+            <a:fontRef idx="minor">
+              <a:schemeClr val="lt1"/>
+            </a:fontRef>
+          </p:style>
+          <p:txBody>
+            <a:bodyPr rtlCol="0" anchor="ctr"/>
+            <a:lstStyle/>
+            <a:p>
+              <a:pPr algn="ctr"/>
+              <a:endParaRPr lang="en-IN" dirty="0"/>
+            </a:p>
+          </p:txBody>
+        </p:sp>
+        <p:sp>
+          <p:nvSpPr>
+            <p:cNvPr id="14" name="Cylinder 13">
+              <a:extLst>
+                <a:ext uri="{FF2B5EF4-FFF2-40B4-BE49-F238E27FC236}">
+                  <a16:creationId xmlns:a16="http://schemas.microsoft.com/office/drawing/2014/main" id="{51569670-AA5D-418D-9AB1-0869BC3C3829}"/>
+                </a:ext>
+              </a:extLst>
+            </p:cNvPr>
+            <p:cNvSpPr/>
+            <p:nvPr/>
+          </p:nvSpPr>
+          <p:spPr>
+            <a:xfrm>
+              <a:off x="1924573" y="2048314"/>
+              <a:ext cx="528507" cy="711664"/>
+            </a:xfrm>
+            <a:prstGeom prst="can">
+              <a:avLst/>
+            </a:prstGeom>
+          </p:spPr>
+          <p:style>
+            <a:lnRef idx="2">
+              <a:schemeClr val="accent2">
+                <a:shade val="50000"/>
+              </a:schemeClr>
+            </a:lnRef>
+            <a:fillRef idx="1">
+              <a:schemeClr val="accent2"/>
+            </a:fillRef>
+            <a:effectRef idx="0">
+              <a:schemeClr val="accent2"/>
+            </a:effectRef>
+            <a:fontRef idx="minor">
+              <a:schemeClr val="lt1"/>
+            </a:fontRef>
+          </p:style>
+          <p:txBody>
+            <a:bodyPr rtlCol="0" anchor="ctr"/>
+            <a:lstStyle/>
+            <a:p>
+              <a:pPr algn="ctr"/>
+              <a:endParaRPr lang="en-IN"/>
+            </a:p>
+          </p:txBody>
+        </p:sp>
+        <p:sp>
+          <p:nvSpPr>
+            <p:cNvPr id="16" name="Cylinder 15">
+              <a:extLst>
+                <a:ext uri="{FF2B5EF4-FFF2-40B4-BE49-F238E27FC236}">
+                  <a16:creationId xmlns:a16="http://schemas.microsoft.com/office/drawing/2014/main" id="{E7468143-3B10-4B75-B3BC-D83DEB53E18C}"/>
+                </a:ext>
+              </a:extLst>
+            </p:cNvPr>
+            <p:cNvSpPr/>
+            <p:nvPr/>
+          </p:nvSpPr>
+          <p:spPr>
+            <a:xfrm>
+              <a:off x="6451832" y="3073168"/>
+              <a:ext cx="528507" cy="711664"/>
+            </a:xfrm>
+            <a:prstGeom prst="can">
+              <a:avLst/>
+            </a:prstGeom>
+          </p:spPr>
+          <p:style>
+            <a:lnRef idx="2">
+              <a:schemeClr val="accent2">
+                <a:shade val="50000"/>
+              </a:schemeClr>
+            </a:lnRef>
+            <a:fillRef idx="1">
+              <a:schemeClr val="accent2"/>
+            </a:fillRef>
+            <a:effectRef idx="0">
+              <a:schemeClr val="accent2"/>
+            </a:effectRef>
+            <a:fontRef idx="minor">
+              <a:schemeClr val="lt1"/>
+            </a:fontRef>
+          </p:style>
+          <p:txBody>
+            <a:bodyPr rtlCol="0" anchor="ctr"/>
+            <a:lstStyle/>
+            <a:p>
+              <a:pPr algn="ctr"/>
+              <a:endParaRPr lang="en-IN"/>
+            </a:p>
+          </p:txBody>
+        </p:sp>
+        <p:sp>
+          <p:nvSpPr>
+            <p:cNvPr id="17" name="Rectangle 16">
+              <a:extLst>
+                <a:ext uri="{FF2B5EF4-FFF2-40B4-BE49-F238E27FC236}">
+                  <a16:creationId xmlns:a16="http://schemas.microsoft.com/office/drawing/2014/main" id="{0F5AE4D1-E7D3-4AB2-B54F-A8E6E9E8C119}"/>
+                </a:ext>
+              </a:extLst>
+            </p:cNvPr>
+            <p:cNvSpPr/>
+            <p:nvPr/>
+          </p:nvSpPr>
+          <p:spPr>
+            <a:xfrm>
+              <a:off x="2862044" y="3122105"/>
+              <a:ext cx="1208014" cy="629174"/>
+            </a:xfrm>
+            <a:prstGeom prst="rect">
+              <a:avLst/>
+            </a:prstGeom>
+          </p:spPr>
+          <p:style>
+            <a:lnRef idx="2">
+              <a:schemeClr val="accent3">
+                <a:shade val="50000"/>
+              </a:schemeClr>
+            </a:lnRef>
+            <a:fillRef idx="1">
+              <a:schemeClr val="accent3"/>
+            </a:fillRef>
+            <a:effectRef idx="0">
+              <a:schemeClr val="accent3"/>
+            </a:effectRef>
+            <a:fontRef idx="minor">
+              <a:schemeClr val="lt1"/>
+            </a:fontRef>
+          </p:style>
+          <p:txBody>
+            <a:bodyPr rtlCol="0" anchor="ctr"/>
+            <a:lstStyle/>
+            <a:p>
+              <a:pPr algn="ctr"/>
+              <a:endParaRPr lang="en-IN" dirty="0"/>
+            </a:p>
+          </p:txBody>
+        </p:sp>
+        <p:sp>
+          <p:nvSpPr>
+            <p:cNvPr id="18" name="TextBox 17">
+              <a:extLst>
+                <a:ext uri="{FF2B5EF4-FFF2-40B4-BE49-F238E27FC236}">
+                  <a16:creationId xmlns:a16="http://schemas.microsoft.com/office/drawing/2014/main" id="{1A98C90D-5C8F-467F-A8D2-E26E25B3C0E6}"/>
+                </a:ext>
+              </a:extLst>
+            </p:cNvPr>
+            <p:cNvSpPr txBox="1"/>
+            <p:nvPr/>
+          </p:nvSpPr>
+          <p:spPr>
+            <a:xfrm>
+              <a:off x="2215740" y="1131708"/>
+              <a:ext cx="934672" cy="369332"/>
+            </a:xfrm>
+            <a:prstGeom prst="rect">
+              <a:avLst/>
+            </a:prstGeom>
+            <a:noFill/>
+          </p:spPr>
+          <p:txBody>
+            <a:bodyPr wrap="square" rtlCol="0">
+              <a:spAutoFit/>
+            </a:bodyPr>
+            <a:lstStyle/>
+            <a:p>
+              <a:r>
+                <a:rPr lang="en-IN" dirty="0"/>
+                <a:t>CLIENT</a:t>
+              </a:r>
+            </a:p>
+          </p:txBody>
+        </p:sp>
+        <p:sp>
+          <p:nvSpPr>
+            <p:cNvPr id="20" name="TextBox 19">
+              <a:extLst>
+                <a:ext uri="{FF2B5EF4-FFF2-40B4-BE49-F238E27FC236}">
+                  <a16:creationId xmlns:a16="http://schemas.microsoft.com/office/drawing/2014/main" id="{A57636CF-B1E4-4E56-9924-C0197BEBE2B5}"/>
+                </a:ext>
+              </a:extLst>
+            </p:cNvPr>
+            <p:cNvSpPr txBox="1"/>
+            <p:nvPr/>
+          </p:nvSpPr>
+          <p:spPr>
+            <a:xfrm>
+              <a:off x="2946982" y="2219480"/>
+              <a:ext cx="1123076" cy="369332"/>
+            </a:xfrm>
+            <a:prstGeom prst="rect">
+              <a:avLst/>
+            </a:prstGeom>
+            <a:noFill/>
+          </p:spPr>
+          <p:txBody>
+            <a:bodyPr wrap="square" rtlCol="0">
+              <a:spAutoFit/>
+            </a:bodyPr>
+            <a:lstStyle/>
+            <a:p>
+              <a:r>
+                <a:rPr lang="en-IN" dirty="0"/>
+                <a:t>WORKER</a:t>
+              </a:r>
+            </a:p>
+          </p:txBody>
+        </p:sp>
+        <p:sp>
+          <p:nvSpPr>
+            <p:cNvPr id="21" name="TextBox 20">
+              <a:extLst>
+                <a:ext uri="{FF2B5EF4-FFF2-40B4-BE49-F238E27FC236}">
+                  <a16:creationId xmlns:a16="http://schemas.microsoft.com/office/drawing/2014/main" id="{C5E24731-3812-4280-A6BE-22681D7AD28C}"/>
+                </a:ext>
+              </a:extLst>
+            </p:cNvPr>
+            <p:cNvSpPr txBox="1"/>
+            <p:nvPr/>
+          </p:nvSpPr>
+          <p:spPr>
+            <a:xfrm>
+              <a:off x="5055417" y="3244334"/>
+              <a:ext cx="934672" cy="369332"/>
+            </a:xfrm>
+            <a:prstGeom prst="rect">
+              <a:avLst/>
+            </a:prstGeom>
+            <a:noFill/>
+          </p:spPr>
+          <p:txBody>
+            <a:bodyPr wrap="square" rtlCol="0">
+              <a:spAutoFit/>
+            </a:bodyPr>
+            <a:lstStyle/>
+            <a:p>
+              <a:r>
+                <a:rPr lang="en-IN" dirty="0"/>
+                <a:t>CLOUD</a:t>
+              </a:r>
+            </a:p>
+          </p:txBody>
+        </p:sp>
+        <p:sp>
+          <p:nvSpPr>
+            <p:cNvPr id="22" name="TextBox 21">
+              <a:extLst>
+                <a:ext uri="{FF2B5EF4-FFF2-40B4-BE49-F238E27FC236}">
+                  <a16:creationId xmlns:a16="http://schemas.microsoft.com/office/drawing/2014/main" id="{25935425-5894-4756-B7E2-D48A298F764C}"/>
+                </a:ext>
+              </a:extLst>
+            </p:cNvPr>
+            <p:cNvSpPr txBox="1"/>
+            <p:nvPr/>
+          </p:nvSpPr>
+          <p:spPr>
+            <a:xfrm>
+              <a:off x="4887987" y="2247185"/>
+              <a:ext cx="1208013" cy="369332"/>
+            </a:xfrm>
+            <a:prstGeom prst="rect">
+              <a:avLst/>
+            </a:prstGeom>
+            <a:noFill/>
+          </p:spPr>
+          <p:txBody>
+            <a:bodyPr wrap="square" rtlCol="0">
+              <a:spAutoFit/>
+            </a:bodyPr>
+            <a:lstStyle/>
+            <a:p>
+              <a:r>
+                <a:rPr lang="en-IN" dirty="0"/>
+                <a:t>FOG LOGIC</a:t>
+              </a:r>
+            </a:p>
+          </p:txBody>
+        </p:sp>
+        <p:sp>
+          <p:nvSpPr>
+            <p:cNvPr id="23" name="TextBox 22">
+              <a:extLst>
+                <a:ext uri="{FF2B5EF4-FFF2-40B4-BE49-F238E27FC236}">
+                  <a16:creationId xmlns:a16="http://schemas.microsoft.com/office/drawing/2014/main" id="{C6724A72-3006-4E32-B15F-21B35AE85D4A}"/>
+                </a:ext>
+              </a:extLst>
+            </p:cNvPr>
+            <p:cNvSpPr txBox="1"/>
+            <p:nvPr/>
+          </p:nvSpPr>
+          <p:spPr>
+            <a:xfrm>
+              <a:off x="3864878" y="1007109"/>
+              <a:ext cx="1208014" cy="646331"/>
+            </a:xfrm>
+            <a:prstGeom prst="rect">
+              <a:avLst/>
+            </a:prstGeom>
+            <a:noFill/>
+          </p:spPr>
+          <p:txBody>
+            <a:bodyPr wrap="square" rtlCol="0">
+              <a:spAutoFit/>
+            </a:bodyPr>
+            <a:lstStyle/>
+            <a:p>
+              <a:r>
+                <a:rPr lang="en-IN" dirty="0"/>
+                <a:t>QUERY PARTITION</a:t>
+              </a:r>
+            </a:p>
+          </p:txBody>
+        </p:sp>
+        <p:sp>
+          <p:nvSpPr>
+            <p:cNvPr id="25" name="TextBox 24">
+              <a:extLst>
+                <a:ext uri="{FF2B5EF4-FFF2-40B4-BE49-F238E27FC236}">
+                  <a16:creationId xmlns:a16="http://schemas.microsoft.com/office/drawing/2014/main" id="{EA02BD0F-7B71-4E63-B6A0-44B589E4FD95}"/>
+                </a:ext>
+              </a:extLst>
+            </p:cNvPr>
+            <p:cNvSpPr txBox="1"/>
+            <p:nvPr/>
+          </p:nvSpPr>
+          <p:spPr>
+            <a:xfrm>
+              <a:off x="2842295" y="3109089"/>
+              <a:ext cx="1238774" cy="646331"/>
+            </a:xfrm>
+            <a:prstGeom prst="rect">
+              <a:avLst/>
+            </a:prstGeom>
+            <a:noFill/>
+          </p:spPr>
+          <p:txBody>
+            <a:bodyPr wrap="square" rtlCol="0">
+              <a:spAutoFit/>
+            </a:bodyPr>
+            <a:lstStyle/>
+            <a:p>
+              <a:r>
+                <a:rPr lang="en-IN" dirty="0"/>
+                <a:t>RESULT COMBINER</a:t>
+              </a:r>
+            </a:p>
+          </p:txBody>
+        </p:sp>
+        <p:sp>
+          <p:nvSpPr>
+            <p:cNvPr id="27" name="TextBox 26">
+              <a:extLst>
+                <a:ext uri="{FF2B5EF4-FFF2-40B4-BE49-F238E27FC236}">
+                  <a16:creationId xmlns:a16="http://schemas.microsoft.com/office/drawing/2014/main" id="{F4AFE2CA-4D6D-458F-9AAE-3538D6227478}"/>
+                </a:ext>
+              </a:extLst>
+            </p:cNvPr>
+            <p:cNvSpPr txBox="1"/>
+            <p:nvPr/>
+          </p:nvSpPr>
+          <p:spPr>
+            <a:xfrm>
+              <a:off x="1998808" y="2176781"/>
+              <a:ext cx="369332" cy="569657"/>
+            </a:xfrm>
+            <a:prstGeom prst="rect">
+              <a:avLst/>
+            </a:prstGeom>
+            <a:noFill/>
+          </p:spPr>
+          <p:txBody>
+            <a:bodyPr vert="vert270" wrap="square" rtlCol="0">
+              <a:spAutoFit/>
+            </a:bodyPr>
+            <a:lstStyle/>
+            <a:p>
+              <a:r>
+                <a:rPr lang="en-IN" sz="1200" dirty="0"/>
+                <a:t>L. DATA</a:t>
+              </a:r>
+            </a:p>
+          </p:txBody>
+        </p:sp>
+        <p:sp>
+          <p:nvSpPr>
+            <p:cNvPr id="28" name="TextBox 27">
+              <a:extLst>
+                <a:ext uri="{FF2B5EF4-FFF2-40B4-BE49-F238E27FC236}">
+                  <a16:creationId xmlns:a16="http://schemas.microsoft.com/office/drawing/2014/main" id="{9025DEB2-994B-4658-B398-FA479D2B940D}"/>
+                </a:ext>
+              </a:extLst>
+            </p:cNvPr>
+            <p:cNvSpPr txBox="1"/>
+            <p:nvPr/>
+          </p:nvSpPr>
+          <p:spPr>
+            <a:xfrm>
+              <a:off x="6531419" y="3134256"/>
+              <a:ext cx="369332" cy="646331"/>
+            </a:xfrm>
+            <a:prstGeom prst="rect">
+              <a:avLst/>
+            </a:prstGeom>
+            <a:noFill/>
+          </p:spPr>
+          <p:txBody>
+            <a:bodyPr vert="vert270" wrap="square" rtlCol="0">
+              <a:spAutoFit/>
+            </a:bodyPr>
+            <a:lstStyle/>
+            <a:p>
+              <a:r>
+                <a:rPr lang="en-IN" sz="1200" dirty="0"/>
+                <a:t>G. DATA</a:t>
+              </a:r>
+            </a:p>
+          </p:txBody>
+        </p:sp>
+        <p:sp>
+          <p:nvSpPr>
+            <p:cNvPr id="29" name="TextBox 28">
+              <a:extLst>
+                <a:ext uri="{FF2B5EF4-FFF2-40B4-BE49-F238E27FC236}">
+                  <a16:creationId xmlns:a16="http://schemas.microsoft.com/office/drawing/2014/main" id="{5C2CC569-6AE6-4295-ADAC-A6371FFB725B}"/>
+                </a:ext>
+              </a:extLst>
+            </p:cNvPr>
+            <p:cNvSpPr txBox="1"/>
+            <p:nvPr/>
+          </p:nvSpPr>
+          <p:spPr>
+            <a:xfrm>
+              <a:off x="6346096" y="2247185"/>
+              <a:ext cx="807090" cy="369332"/>
+            </a:xfrm>
+            <a:prstGeom prst="rect">
+              <a:avLst/>
+            </a:prstGeom>
+            <a:noFill/>
+          </p:spPr>
+          <p:txBody>
+            <a:bodyPr wrap="square" rtlCol="0">
+              <a:spAutoFit/>
+            </a:bodyPr>
+            <a:lstStyle/>
+            <a:p>
+              <a:r>
+                <a:rPr lang="en-IN" dirty="0"/>
+                <a:t>Cache </a:t>
+              </a:r>
+            </a:p>
+          </p:txBody>
+        </p:sp>
+        <p:cxnSp>
+          <p:nvCxnSpPr>
+            <p:cNvPr id="31" name="Straight Arrow Connector 30">
+              <a:extLst>
+                <a:ext uri="{FF2B5EF4-FFF2-40B4-BE49-F238E27FC236}">
+                  <a16:creationId xmlns:a16="http://schemas.microsoft.com/office/drawing/2014/main" id="{3ED9F99D-8F18-431D-9A51-67DCC4A72F6B}"/>
+                </a:ext>
+              </a:extLst>
+            </p:cNvPr>
+            <p:cNvCxnSpPr>
+              <a:stCxn id="4" idx="3"/>
+              <a:endCxn id="6" idx="1"/>
+            </p:cNvCxnSpPr>
+            <p:nvPr/>
+          </p:nvCxnSpPr>
+          <p:spPr>
+            <a:xfrm>
+              <a:off x="3287083" y="1316374"/>
+              <a:ext cx="539695" cy="0"/>
+            </a:xfrm>
+            <a:prstGeom prst="straightConnector1">
+              <a:avLst/>
+            </a:prstGeom>
+            <a:ln>
+              <a:tailEnd type="triangle"/>
+            </a:ln>
+          </p:spPr>
+          <p:style>
+            <a:lnRef idx="1">
+              <a:schemeClr val="accent1"/>
+            </a:lnRef>
+            <a:fillRef idx="0">
+              <a:schemeClr val="accent1"/>
+            </a:fillRef>
+            <a:effectRef idx="0">
+              <a:schemeClr val="accent1"/>
+            </a:effectRef>
+            <a:fontRef idx="minor">
+              <a:schemeClr val="tx1"/>
+            </a:fontRef>
+          </p:style>
+        </p:cxnSp>
+        <p:cxnSp>
+          <p:nvCxnSpPr>
+            <p:cNvPr id="35" name="Straight Arrow Connector 34">
+              <a:extLst>
+                <a:ext uri="{FF2B5EF4-FFF2-40B4-BE49-F238E27FC236}">
+                  <a16:creationId xmlns:a16="http://schemas.microsoft.com/office/drawing/2014/main" id="{93205ADD-7B0F-4048-9C8B-7054EBC19637}"/>
+                </a:ext>
+              </a:extLst>
+            </p:cNvPr>
+            <p:cNvCxnSpPr>
+              <a:cxnSpLocks/>
+              <a:stCxn id="23" idx="2"/>
+              <a:endCxn id="7" idx="0"/>
+            </p:cNvCxnSpPr>
+            <p:nvPr/>
+          </p:nvCxnSpPr>
+          <p:spPr>
+            <a:xfrm>
+              <a:off x="4468885" y="1653440"/>
+              <a:ext cx="1023108" cy="463824"/>
+            </a:xfrm>
+            <a:prstGeom prst="straightConnector1">
+              <a:avLst/>
+            </a:prstGeom>
+            <a:ln>
+              <a:tailEnd type="triangle"/>
+            </a:ln>
+          </p:spPr>
+          <p:style>
+            <a:lnRef idx="1">
+              <a:schemeClr val="accent1"/>
+            </a:lnRef>
+            <a:fillRef idx="0">
+              <a:schemeClr val="accent1"/>
+            </a:fillRef>
+            <a:effectRef idx="0">
+              <a:schemeClr val="accent1"/>
+            </a:effectRef>
+            <a:fontRef idx="minor">
+              <a:schemeClr val="tx1"/>
+            </a:fontRef>
+          </p:style>
+        </p:cxnSp>
+        <p:cxnSp>
+          <p:nvCxnSpPr>
+            <p:cNvPr id="36" name="Straight Arrow Connector 35">
+              <a:extLst>
+                <a:ext uri="{FF2B5EF4-FFF2-40B4-BE49-F238E27FC236}">
+                  <a16:creationId xmlns:a16="http://schemas.microsoft.com/office/drawing/2014/main" id="{1355AB4C-22EA-4BB8-A486-4E06FB33BEE6}"/>
+                </a:ext>
+              </a:extLst>
+            </p:cNvPr>
+            <p:cNvCxnSpPr>
+              <a:cxnSpLocks/>
+              <a:stCxn id="23" idx="2"/>
+              <a:endCxn id="8" idx="0"/>
+            </p:cNvCxnSpPr>
+            <p:nvPr/>
+          </p:nvCxnSpPr>
+          <p:spPr>
+            <a:xfrm flipH="1">
+              <a:off x="3466051" y="1653440"/>
+              <a:ext cx="1002834" cy="436119"/>
+            </a:xfrm>
+            <a:prstGeom prst="straightConnector1">
+              <a:avLst/>
+            </a:prstGeom>
+            <a:ln>
+              <a:tailEnd type="triangle"/>
+            </a:ln>
+          </p:spPr>
+          <p:style>
+            <a:lnRef idx="1">
+              <a:schemeClr val="accent1"/>
+            </a:lnRef>
+            <a:fillRef idx="0">
+              <a:schemeClr val="accent1"/>
+            </a:fillRef>
+            <a:effectRef idx="0">
+              <a:schemeClr val="accent1"/>
+            </a:effectRef>
+            <a:fontRef idx="minor">
+              <a:schemeClr val="tx1"/>
+            </a:fontRef>
+          </p:style>
+        </p:cxnSp>
+        <p:cxnSp>
+          <p:nvCxnSpPr>
+            <p:cNvPr id="42" name="Straight Arrow Connector 41">
+              <a:extLst>
+                <a:ext uri="{FF2B5EF4-FFF2-40B4-BE49-F238E27FC236}">
+                  <a16:creationId xmlns:a16="http://schemas.microsoft.com/office/drawing/2014/main" id="{9610B98F-EC2A-4F7A-8E14-2903AE802C23}"/>
+                </a:ext>
+              </a:extLst>
+            </p:cNvPr>
+            <p:cNvCxnSpPr>
+              <a:cxnSpLocks/>
+              <a:stCxn id="7" idx="2"/>
+              <a:endCxn id="10" idx="0"/>
+            </p:cNvCxnSpPr>
+            <p:nvPr/>
+          </p:nvCxnSpPr>
+          <p:spPr>
+            <a:xfrm>
+              <a:off x="5491993" y="2746438"/>
+              <a:ext cx="0" cy="367975"/>
+            </a:xfrm>
+            <a:prstGeom prst="straightConnector1">
+              <a:avLst/>
+            </a:prstGeom>
+            <a:ln>
+              <a:tailEnd type="triangle"/>
+            </a:ln>
+          </p:spPr>
+          <p:style>
+            <a:lnRef idx="1">
+              <a:schemeClr val="accent1"/>
+            </a:lnRef>
+            <a:fillRef idx="0">
+              <a:schemeClr val="accent1"/>
+            </a:fillRef>
+            <a:effectRef idx="0">
+              <a:schemeClr val="accent1"/>
+            </a:effectRef>
+            <a:fontRef idx="minor">
+              <a:schemeClr val="tx1"/>
+            </a:fontRef>
+          </p:style>
+        </p:cxnSp>
+        <p:cxnSp>
+          <p:nvCxnSpPr>
+            <p:cNvPr id="43" name="Straight Arrow Connector 42">
+              <a:extLst>
+                <a:ext uri="{FF2B5EF4-FFF2-40B4-BE49-F238E27FC236}">
+                  <a16:creationId xmlns:a16="http://schemas.microsoft.com/office/drawing/2014/main" id="{BF80FBA4-1CAE-4F02-AB22-9B8C71097EED}"/>
+                </a:ext>
+              </a:extLst>
+            </p:cNvPr>
+            <p:cNvCxnSpPr>
+              <a:cxnSpLocks/>
+              <a:stCxn id="8" idx="2"/>
+              <a:endCxn id="25" idx="0"/>
+            </p:cNvCxnSpPr>
+            <p:nvPr/>
+          </p:nvCxnSpPr>
+          <p:spPr>
+            <a:xfrm flipH="1">
+              <a:off x="3461682" y="2718733"/>
+              <a:ext cx="4369" cy="390356"/>
+            </a:xfrm>
+            <a:prstGeom prst="straightConnector1">
+              <a:avLst/>
+            </a:prstGeom>
+            <a:ln>
+              <a:tailEnd type="triangle"/>
+            </a:ln>
+          </p:spPr>
+          <p:style>
+            <a:lnRef idx="1">
+              <a:schemeClr val="accent1"/>
+            </a:lnRef>
+            <a:fillRef idx="0">
+              <a:schemeClr val="accent1"/>
+            </a:fillRef>
+            <a:effectRef idx="0">
+              <a:schemeClr val="accent1"/>
+            </a:effectRef>
+            <a:fontRef idx="minor">
+              <a:schemeClr val="tx1"/>
+            </a:fontRef>
+          </p:style>
+        </p:cxnSp>
+        <p:cxnSp>
+          <p:nvCxnSpPr>
+            <p:cNvPr id="48" name="Straight Arrow Connector 47">
+              <a:extLst>
+                <a:ext uri="{FF2B5EF4-FFF2-40B4-BE49-F238E27FC236}">
+                  <a16:creationId xmlns:a16="http://schemas.microsoft.com/office/drawing/2014/main" id="{7FEE4F83-29C3-4B33-9183-50A562716640}"/>
+                </a:ext>
+              </a:extLst>
+            </p:cNvPr>
+            <p:cNvCxnSpPr>
+              <a:cxnSpLocks/>
+              <a:stCxn id="10" idx="3"/>
+              <a:endCxn id="16" idx="2"/>
+            </p:cNvCxnSpPr>
+            <p:nvPr/>
+          </p:nvCxnSpPr>
+          <p:spPr>
+            <a:xfrm>
+              <a:off x="6096000" y="3429000"/>
+              <a:ext cx="355832" cy="0"/>
+            </a:xfrm>
+            <a:prstGeom prst="straightConnector1">
+              <a:avLst/>
+            </a:prstGeom>
+            <a:ln w="9525" cap="flat" cmpd="sng" algn="ctr">
+              <a:solidFill>
+                <a:schemeClr val="accent1"/>
+              </a:solidFill>
+              <a:prstDash val="solid"/>
+              <a:round/>
+              <a:headEnd type="arrow" w="med" len="med"/>
+              <a:tailEnd type="arrow" w="med" len="med"/>
+            </a:ln>
+          </p:spPr>
+          <p:style>
+            <a:lnRef idx="0">
+              <a:scrgbClr r="0" g="0" b="0"/>
+            </a:lnRef>
+            <a:fillRef idx="0">
+              <a:scrgbClr r="0" g="0" b="0"/>
+            </a:fillRef>
+            <a:effectRef idx="0">
+              <a:scrgbClr r="0" g="0" b="0"/>
+            </a:effectRef>
+            <a:fontRef idx="minor">
+              <a:schemeClr val="tx1"/>
+            </a:fontRef>
+          </p:style>
+        </p:cxnSp>
+        <p:cxnSp>
+          <p:nvCxnSpPr>
+            <p:cNvPr id="49" name="Straight Arrow Connector 48">
+              <a:extLst>
+                <a:ext uri="{FF2B5EF4-FFF2-40B4-BE49-F238E27FC236}">
+                  <a16:creationId xmlns:a16="http://schemas.microsoft.com/office/drawing/2014/main" id="{7F0450A9-53C2-4F41-B1D5-633FC6C05C99}"/>
+                </a:ext>
+              </a:extLst>
+            </p:cNvPr>
+            <p:cNvCxnSpPr>
+              <a:cxnSpLocks/>
+              <a:stCxn id="8" idx="1"/>
+              <a:endCxn id="14" idx="4"/>
+            </p:cNvCxnSpPr>
+            <p:nvPr/>
+          </p:nvCxnSpPr>
+          <p:spPr>
+            <a:xfrm flipH="1">
+              <a:off x="2453080" y="2404146"/>
+              <a:ext cx="408964" cy="0"/>
+            </a:xfrm>
+            <a:prstGeom prst="straightConnector1">
+              <a:avLst/>
+            </a:prstGeom>
+            <a:ln w="9525" cap="flat" cmpd="sng" algn="ctr">
+              <a:solidFill>
+                <a:schemeClr val="accent1"/>
+              </a:solidFill>
+              <a:prstDash val="solid"/>
+              <a:round/>
+              <a:headEnd type="arrow" w="med" len="med"/>
+              <a:tailEnd type="arrow" w="med" len="med"/>
+            </a:ln>
+          </p:spPr>
+          <p:style>
+            <a:lnRef idx="0">
+              <a:scrgbClr r="0" g="0" b="0"/>
+            </a:lnRef>
+            <a:fillRef idx="0">
+              <a:scrgbClr r="0" g="0" b="0"/>
+            </a:fillRef>
+            <a:effectRef idx="0">
+              <a:scrgbClr r="0" g="0" b="0"/>
+            </a:effectRef>
+            <a:fontRef idx="minor">
+              <a:schemeClr val="tx1"/>
+            </a:fontRef>
+          </p:style>
+        </p:cxnSp>
+        <p:cxnSp>
+          <p:nvCxnSpPr>
+            <p:cNvPr id="52" name="Straight Arrow Connector 51">
+              <a:extLst>
+                <a:ext uri="{FF2B5EF4-FFF2-40B4-BE49-F238E27FC236}">
+                  <a16:creationId xmlns:a16="http://schemas.microsoft.com/office/drawing/2014/main" id="{A1C4FFD3-482D-46C9-A532-3600F3F5293A}"/>
+                </a:ext>
+              </a:extLst>
+            </p:cNvPr>
+            <p:cNvCxnSpPr>
+              <a:cxnSpLocks/>
+              <a:stCxn id="10" idx="1"/>
+              <a:endCxn id="25" idx="3"/>
+            </p:cNvCxnSpPr>
+            <p:nvPr/>
+          </p:nvCxnSpPr>
+          <p:spPr>
+            <a:xfrm flipH="1">
+              <a:off x="4081069" y="3429000"/>
+              <a:ext cx="806917" cy="3255"/>
+            </a:xfrm>
+            <a:prstGeom prst="straightConnector1">
+              <a:avLst/>
+            </a:prstGeom>
+            <a:ln>
+              <a:tailEnd type="triangle"/>
+            </a:ln>
+          </p:spPr>
+          <p:style>
+            <a:lnRef idx="1">
+              <a:schemeClr val="accent1"/>
+            </a:lnRef>
+            <a:fillRef idx="0">
+              <a:schemeClr val="accent1"/>
+            </a:fillRef>
+            <a:effectRef idx="0">
+              <a:schemeClr val="accent1"/>
+            </a:effectRef>
+            <a:fontRef idx="minor">
+              <a:schemeClr val="tx1"/>
+            </a:fontRef>
+          </p:style>
+        </p:cxnSp>
+        <p:cxnSp>
+          <p:nvCxnSpPr>
+            <p:cNvPr id="67" name="Straight Arrow Connector 66">
+              <a:extLst>
+                <a:ext uri="{FF2B5EF4-FFF2-40B4-BE49-F238E27FC236}">
+                  <a16:creationId xmlns:a16="http://schemas.microsoft.com/office/drawing/2014/main" id="{312421D8-7197-4820-A370-9FACC62FDB4D}"/>
+                </a:ext>
+              </a:extLst>
+            </p:cNvPr>
+            <p:cNvCxnSpPr>
+              <a:cxnSpLocks/>
+              <a:stCxn id="22" idx="3"/>
+              <a:endCxn id="29" idx="1"/>
+            </p:cNvCxnSpPr>
+            <p:nvPr/>
+          </p:nvCxnSpPr>
+          <p:spPr>
+            <a:xfrm>
+              <a:off x="6096000" y="2431851"/>
+              <a:ext cx="250096" cy="0"/>
+            </a:xfrm>
+            <a:prstGeom prst="straightConnector1">
+              <a:avLst/>
+            </a:prstGeom>
+            <a:ln>
+              <a:tailEnd type="triangle"/>
+            </a:ln>
+          </p:spPr>
+          <p:style>
+            <a:lnRef idx="1">
+              <a:schemeClr val="accent1"/>
+            </a:lnRef>
+            <a:fillRef idx="0">
+              <a:schemeClr val="accent1"/>
+            </a:fillRef>
+            <a:effectRef idx="0">
+              <a:schemeClr val="accent1"/>
+            </a:effectRef>
+            <a:fontRef idx="minor">
+              <a:schemeClr val="tx1"/>
+            </a:fontRef>
+          </p:style>
+        </p:cxnSp>
+        <p:sp>
+          <p:nvSpPr>
+            <p:cNvPr id="73" name="TextBox 72">
+              <a:extLst>
+                <a:ext uri="{FF2B5EF4-FFF2-40B4-BE49-F238E27FC236}">
+                  <a16:creationId xmlns:a16="http://schemas.microsoft.com/office/drawing/2014/main" id="{A28C6D60-3D45-4A84-889F-18DE836A6805}"/>
+                </a:ext>
+              </a:extLst>
+            </p:cNvPr>
+            <p:cNvSpPr txBox="1"/>
+            <p:nvPr/>
+          </p:nvSpPr>
+          <p:spPr>
+            <a:xfrm>
+              <a:off x="3420002" y="889233"/>
+              <a:ext cx="224228" cy="369332"/>
+            </a:xfrm>
+            <a:prstGeom prst="rect">
+              <a:avLst/>
+            </a:prstGeom>
+            <a:noFill/>
+          </p:spPr>
+          <p:txBody>
+            <a:bodyPr wrap="square" rtlCol="0">
+              <a:spAutoFit/>
+            </a:bodyPr>
+            <a:lstStyle/>
+            <a:p>
+              <a:r>
+                <a:rPr lang="en-IN" dirty="0"/>
+                <a:t>1</a:t>
+              </a:r>
+            </a:p>
+          </p:txBody>
+        </p:sp>
+        <p:sp>
+          <p:nvSpPr>
+            <p:cNvPr id="76" name="TextBox 75">
+              <a:extLst>
+                <a:ext uri="{FF2B5EF4-FFF2-40B4-BE49-F238E27FC236}">
+                  <a16:creationId xmlns:a16="http://schemas.microsoft.com/office/drawing/2014/main" id="{9C3FAC08-6EDE-4DF8-AB9D-BEE25C9F6EF3}"/>
+                </a:ext>
+              </a:extLst>
+            </p:cNvPr>
+            <p:cNvSpPr txBox="1"/>
+            <p:nvPr/>
+          </p:nvSpPr>
+          <p:spPr>
+            <a:xfrm>
+              <a:off x="3479161" y="2703836"/>
+              <a:ext cx="224228" cy="369332"/>
+            </a:xfrm>
+            <a:prstGeom prst="rect">
+              <a:avLst/>
+            </a:prstGeom>
+            <a:noFill/>
+          </p:spPr>
+          <p:txBody>
+            <a:bodyPr wrap="square" rtlCol="0">
+              <a:spAutoFit/>
+            </a:bodyPr>
+            <a:lstStyle/>
+            <a:p>
+              <a:r>
+                <a:rPr lang="en-IN" dirty="0"/>
+                <a:t>6</a:t>
+              </a:r>
+            </a:p>
+          </p:txBody>
+        </p:sp>
+        <p:sp>
+          <p:nvSpPr>
+            <p:cNvPr id="77" name="TextBox 76">
+              <a:extLst>
+                <a:ext uri="{FF2B5EF4-FFF2-40B4-BE49-F238E27FC236}">
+                  <a16:creationId xmlns:a16="http://schemas.microsoft.com/office/drawing/2014/main" id="{77679169-1F0D-4B1B-94BB-363E23DD27ED}"/>
+                </a:ext>
+              </a:extLst>
+            </p:cNvPr>
+            <p:cNvSpPr txBox="1"/>
+            <p:nvPr/>
+          </p:nvSpPr>
+          <p:spPr>
+            <a:xfrm>
+              <a:off x="4361755" y="3085456"/>
+              <a:ext cx="224228" cy="369332"/>
+            </a:xfrm>
+            <a:prstGeom prst="rect">
+              <a:avLst/>
+            </a:prstGeom>
+            <a:noFill/>
+          </p:spPr>
+          <p:txBody>
+            <a:bodyPr wrap="square" rtlCol="0">
+              <a:spAutoFit/>
+            </a:bodyPr>
+            <a:lstStyle/>
+            <a:p>
+              <a:r>
+                <a:rPr lang="en-IN" dirty="0"/>
+                <a:t>5</a:t>
+              </a:r>
+            </a:p>
+          </p:txBody>
+        </p:sp>
+        <p:sp>
+          <p:nvSpPr>
+            <p:cNvPr id="78" name="TextBox 77">
+              <a:extLst>
+                <a:ext uri="{FF2B5EF4-FFF2-40B4-BE49-F238E27FC236}">
+                  <a16:creationId xmlns:a16="http://schemas.microsoft.com/office/drawing/2014/main" id="{58A1393A-1570-4EA4-97BC-ACDB16C4541B}"/>
+                </a:ext>
+              </a:extLst>
+            </p:cNvPr>
+            <p:cNvSpPr txBox="1"/>
+            <p:nvPr/>
+          </p:nvSpPr>
+          <p:spPr>
+            <a:xfrm rot="10800000" flipH="1" flipV="1">
+              <a:off x="4307703" y="1700686"/>
+              <a:ext cx="404506" cy="369332"/>
+            </a:xfrm>
+            <a:prstGeom prst="rect">
+              <a:avLst/>
+            </a:prstGeom>
+            <a:noFill/>
+          </p:spPr>
+          <p:txBody>
+            <a:bodyPr wrap="square" rtlCol="0">
+              <a:spAutoFit/>
+            </a:bodyPr>
+            <a:lstStyle/>
+            <a:p>
+              <a:r>
+                <a:rPr lang="en-IN" dirty="0"/>
+                <a:t>2</a:t>
+              </a:r>
+            </a:p>
+          </p:txBody>
+        </p:sp>
+        <p:sp>
+          <p:nvSpPr>
+            <p:cNvPr id="81" name="TextBox 80">
+              <a:extLst>
+                <a:ext uri="{FF2B5EF4-FFF2-40B4-BE49-F238E27FC236}">
+                  <a16:creationId xmlns:a16="http://schemas.microsoft.com/office/drawing/2014/main" id="{7D72C367-89C1-4AF1-ACED-3C6020309382}"/>
+                </a:ext>
+              </a:extLst>
+            </p:cNvPr>
+            <p:cNvSpPr txBox="1"/>
+            <p:nvPr/>
+          </p:nvSpPr>
+          <p:spPr>
+            <a:xfrm>
+              <a:off x="6132185" y="2972349"/>
+              <a:ext cx="224228" cy="369332"/>
+            </a:xfrm>
+            <a:prstGeom prst="rect">
+              <a:avLst/>
+            </a:prstGeom>
+            <a:noFill/>
+          </p:spPr>
+          <p:txBody>
+            <a:bodyPr wrap="square" rtlCol="0">
+              <a:spAutoFit/>
+            </a:bodyPr>
+            <a:lstStyle/>
+            <a:p>
+              <a:r>
+                <a:rPr lang="en-IN" dirty="0"/>
+                <a:t>4</a:t>
+              </a:r>
+            </a:p>
+          </p:txBody>
+        </p:sp>
+        <p:sp>
+          <p:nvSpPr>
+            <p:cNvPr id="82" name="TextBox 81">
+              <a:extLst>
+                <a:ext uri="{FF2B5EF4-FFF2-40B4-BE49-F238E27FC236}">
+                  <a16:creationId xmlns:a16="http://schemas.microsoft.com/office/drawing/2014/main" id="{33599626-B699-433F-AB4A-3C6EE5846739}"/>
+                </a:ext>
+              </a:extLst>
+            </p:cNvPr>
+            <p:cNvSpPr txBox="1"/>
+            <p:nvPr/>
+          </p:nvSpPr>
+          <p:spPr>
+            <a:xfrm>
+              <a:off x="6096000" y="1721238"/>
+              <a:ext cx="224228" cy="369332"/>
+            </a:xfrm>
+            <a:prstGeom prst="rect">
+              <a:avLst/>
+            </a:prstGeom>
+            <a:noFill/>
+          </p:spPr>
+          <p:txBody>
+            <a:bodyPr wrap="square" rtlCol="0">
+              <a:spAutoFit/>
+            </a:bodyPr>
+            <a:lstStyle/>
+            <a:p>
+              <a:r>
+                <a:rPr lang="en-IN" dirty="0"/>
+                <a:t>3</a:t>
+              </a:r>
+            </a:p>
+          </p:txBody>
+        </p:sp>
+        <p:sp>
+          <p:nvSpPr>
+            <p:cNvPr id="84" name="TextBox 83">
+              <a:extLst>
+                <a:ext uri="{FF2B5EF4-FFF2-40B4-BE49-F238E27FC236}">
+                  <a16:creationId xmlns:a16="http://schemas.microsoft.com/office/drawing/2014/main" id="{6C1B84ED-7211-48E5-875D-F699D839B109}"/>
+                </a:ext>
+              </a:extLst>
+            </p:cNvPr>
+            <p:cNvSpPr txBox="1"/>
+            <p:nvPr/>
+          </p:nvSpPr>
+          <p:spPr>
+            <a:xfrm>
+              <a:off x="2502148" y="1992115"/>
+              <a:ext cx="224228" cy="369332"/>
+            </a:xfrm>
+            <a:prstGeom prst="rect">
+              <a:avLst/>
+            </a:prstGeom>
+            <a:noFill/>
+          </p:spPr>
+          <p:txBody>
+            <a:bodyPr wrap="square" rtlCol="0">
+              <a:spAutoFit/>
+            </a:bodyPr>
+            <a:lstStyle/>
+            <a:p>
+              <a:r>
+                <a:rPr lang="en-IN" dirty="0"/>
+                <a:t>4</a:t>
+              </a:r>
+            </a:p>
+          </p:txBody>
+        </p:sp>
+      </p:grpSp>
+    </p:spTree>
+    <p:extLst>
+      <p:ext uri="{BB962C8B-B14F-4D97-AF65-F5344CB8AC3E}">
+        <p14:creationId xmlns:p14="http://schemas.microsoft.com/office/powerpoint/2010/main" val="2514810308"/>
       </p:ext>
     </p:extLst>
   </p:cSld>
